--- a/Referat_BWP_KG_Quellen.pptx
+++ b/Referat_BWP_KG_Quellen.pptx
@@ -53,7 +53,7 @@
       </p:grpSpPr>
       <p:sp>
         <p:nvSpPr>
-          <p:cNvPr id="25" name="PlaceHolder 1"/>
+          <p:cNvPr id="23" name="PlaceHolder 1"/>
           <p:cNvSpPr>
             <a:spLocks noGrp="1"/>
           </p:cNvSpPr>
@@ -84,7 +84,7 @@
       </p:sp>
       <p:sp>
         <p:nvSpPr>
-          <p:cNvPr id="26" name="PlaceHolder 2"/>
+          <p:cNvPr id="24" name="PlaceHolder 2"/>
           <p:cNvSpPr>
             <a:spLocks noGrp="1"/>
           </p:cNvSpPr>
@@ -114,7 +114,7 @@
       </p:sp>
       <p:sp>
         <p:nvSpPr>
-          <p:cNvPr id="27" name="PlaceHolder 3"/>
+          <p:cNvPr id="25" name="PlaceHolder 3"/>
           <p:cNvSpPr>
             <a:spLocks noGrp="1"/>
           </p:cNvSpPr>
@@ -166,7 +166,7 @@
       </p:grpSpPr>
       <p:sp>
         <p:nvSpPr>
-          <p:cNvPr id="28" name="PlaceHolder 1"/>
+          <p:cNvPr id="26" name="PlaceHolder 1"/>
           <p:cNvSpPr>
             <a:spLocks noGrp="1"/>
           </p:cNvSpPr>
@@ -197,7 +197,7 @@
       </p:sp>
       <p:sp>
         <p:nvSpPr>
-          <p:cNvPr id="29" name="PlaceHolder 2"/>
+          <p:cNvPr id="27" name="PlaceHolder 2"/>
           <p:cNvSpPr>
             <a:spLocks noGrp="1"/>
           </p:cNvSpPr>
@@ -227,7 +227,7 @@
       </p:sp>
       <p:sp>
         <p:nvSpPr>
-          <p:cNvPr id="30" name="PlaceHolder 3"/>
+          <p:cNvPr id="28" name="PlaceHolder 3"/>
           <p:cNvSpPr>
             <a:spLocks noGrp="1"/>
           </p:cNvSpPr>
@@ -257,7 +257,7 @@
       </p:sp>
       <p:sp>
         <p:nvSpPr>
-          <p:cNvPr id="31" name="PlaceHolder 4"/>
+          <p:cNvPr id="29" name="PlaceHolder 4"/>
           <p:cNvSpPr>
             <a:spLocks noGrp="1"/>
           </p:cNvSpPr>
@@ -287,7 +287,7 @@
       </p:sp>
       <p:sp>
         <p:nvSpPr>
-          <p:cNvPr id="32" name="PlaceHolder 5"/>
+          <p:cNvPr id="30" name="PlaceHolder 5"/>
           <p:cNvSpPr>
             <a:spLocks noGrp="1"/>
           </p:cNvSpPr>
@@ -339,7 +339,7 @@
       </p:grpSpPr>
       <p:sp>
         <p:nvSpPr>
-          <p:cNvPr id="33" name="PlaceHolder 1"/>
+          <p:cNvPr id="31" name="PlaceHolder 1"/>
           <p:cNvSpPr>
             <a:spLocks noGrp="1"/>
           </p:cNvSpPr>
@@ -370,7 +370,7 @@
       </p:sp>
       <p:sp>
         <p:nvSpPr>
-          <p:cNvPr id="34" name="PlaceHolder 2"/>
+          <p:cNvPr id="32" name="PlaceHolder 2"/>
           <p:cNvSpPr>
             <a:spLocks noGrp="1"/>
           </p:cNvSpPr>
@@ -400,7 +400,7 @@
       </p:sp>
       <p:sp>
         <p:nvSpPr>
-          <p:cNvPr id="35" name="PlaceHolder 3"/>
+          <p:cNvPr id="33" name="PlaceHolder 3"/>
           <p:cNvSpPr>
             <a:spLocks noGrp="1"/>
           </p:cNvSpPr>
@@ -430,7 +430,7 @@
       </p:sp>
       <p:sp>
         <p:nvSpPr>
-          <p:cNvPr id="36" name="PlaceHolder 4"/>
+          <p:cNvPr id="34" name="PlaceHolder 4"/>
           <p:cNvSpPr>
             <a:spLocks noGrp="1"/>
           </p:cNvSpPr>
@@ -460,7 +460,7 @@
       </p:sp>
       <p:sp>
         <p:nvSpPr>
-          <p:cNvPr id="37" name="PlaceHolder 5"/>
+          <p:cNvPr id="35" name="PlaceHolder 5"/>
           <p:cNvSpPr>
             <a:spLocks noGrp="1"/>
           </p:cNvSpPr>
@@ -490,7 +490,7 @@
       </p:sp>
       <p:sp>
         <p:nvSpPr>
-          <p:cNvPr id="38" name="PlaceHolder 6"/>
+          <p:cNvPr id="36" name="PlaceHolder 6"/>
           <p:cNvSpPr>
             <a:spLocks noGrp="1"/>
           </p:cNvSpPr>
@@ -520,7 +520,7 @@
       </p:sp>
       <p:sp>
         <p:nvSpPr>
-          <p:cNvPr id="39" name="PlaceHolder 7"/>
+          <p:cNvPr id="37" name="PlaceHolder 7"/>
           <p:cNvSpPr>
             <a:spLocks noGrp="1"/>
           </p:cNvSpPr>
@@ -572,7 +572,7 @@
       </p:grpSpPr>
       <p:sp>
         <p:nvSpPr>
-          <p:cNvPr id="4" name="PlaceHolder 1"/>
+          <p:cNvPr id="2" name="PlaceHolder 1"/>
           <p:cNvSpPr>
             <a:spLocks noGrp="1"/>
           </p:cNvSpPr>
@@ -603,7 +603,7 @@
       </p:sp>
       <p:sp>
         <p:nvSpPr>
-          <p:cNvPr id="5" name="PlaceHolder 2"/>
+          <p:cNvPr id="3" name="PlaceHolder 2"/>
           <p:cNvSpPr>
             <a:spLocks noGrp="1"/>
           </p:cNvSpPr>
@@ -656,7 +656,7 @@
       </p:grpSpPr>
       <p:sp>
         <p:nvSpPr>
-          <p:cNvPr id="6" name="PlaceHolder 1"/>
+          <p:cNvPr id="4" name="PlaceHolder 1"/>
           <p:cNvSpPr>
             <a:spLocks noGrp="1"/>
           </p:cNvSpPr>
@@ -687,7 +687,7 @@
       </p:sp>
       <p:sp>
         <p:nvSpPr>
-          <p:cNvPr id="7" name="PlaceHolder 2"/>
+          <p:cNvPr id="5" name="PlaceHolder 2"/>
           <p:cNvSpPr>
             <a:spLocks noGrp="1"/>
           </p:cNvSpPr>
@@ -739,7 +739,7 @@
       </p:grpSpPr>
       <p:sp>
         <p:nvSpPr>
-          <p:cNvPr id="8" name="PlaceHolder 1"/>
+          <p:cNvPr id="6" name="PlaceHolder 1"/>
           <p:cNvSpPr>
             <a:spLocks noGrp="1"/>
           </p:cNvSpPr>
@@ -770,7 +770,7 @@
       </p:sp>
       <p:sp>
         <p:nvSpPr>
-          <p:cNvPr id="9" name="PlaceHolder 2"/>
+          <p:cNvPr id="7" name="PlaceHolder 2"/>
           <p:cNvSpPr>
             <a:spLocks noGrp="1"/>
           </p:cNvSpPr>
@@ -800,7 +800,7 @@
       </p:sp>
       <p:sp>
         <p:nvSpPr>
-          <p:cNvPr id="10" name="PlaceHolder 3"/>
+          <p:cNvPr id="8" name="PlaceHolder 3"/>
           <p:cNvSpPr>
             <a:spLocks noGrp="1"/>
           </p:cNvSpPr>
@@ -852,7 +852,7 @@
       </p:grpSpPr>
       <p:sp>
         <p:nvSpPr>
-          <p:cNvPr id="11" name="PlaceHolder 1"/>
+          <p:cNvPr id="9" name="PlaceHolder 1"/>
           <p:cNvSpPr>
             <a:spLocks noGrp="1"/>
           </p:cNvSpPr>
@@ -905,7 +905,7 @@
       </p:grpSpPr>
       <p:sp>
         <p:nvSpPr>
-          <p:cNvPr id="12" name="PlaceHolder 1"/>
+          <p:cNvPr id="10" name="PlaceHolder 1"/>
           <p:cNvSpPr>
             <a:spLocks noGrp="1"/>
           </p:cNvSpPr>
@@ -958,7 +958,7 @@
       </p:grpSpPr>
       <p:sp>
         <p:nvSpPr>
-          <p:cNvPr id="13" name="PlaceHolder 1"/>
+          <p:cNvPr id="11" name="PlaceHolder 1"/>
           <p:cNvSpPr>
             <a:spLocks noGrp="1"/>
           </p:cNvSpPr>
@@ -989,7 +989,7 @@
       </p:sp>
       <p:sp>
         <p:nvSpPr>
-          <p:cNvPr id="14" name="PlaceHolder 2"/>
+          <p:cNvPr id="12" name="PlaceHolder 2"/>
           <p:cNvSpPr>
             <a:spLocks noGrp="1"/>
           </p:cNvSpPr>
@@ -1019,7 +1019,7 @@
       </p:sp>
       <p:sp>
         <p:nvSpPr>
-          <p:cNvPr id="15" name="PlaceHolder 3"/>
+          <p:cNvPr id="13" name="PlaceHolder 3"/>
           <p:cNvSpPr>
             <a:spLocks noGrp="1"/>
           </p:cNvSpPr>
@@ -1049,7 +1049,7 @@
       </p:sp>
       <p:sp>
         <p:nvSpPr>
-          <p:cNvPr id="16" name="PlaceHolder 4"/>
+          <p:cNvPr id="14" name="PlaceHolder 4"/>
           <p:cNvSpPr>
             <a:spLocks noGrp="1"/>
           </p:cNvSpPr>
@@ -1101,7 +1101,7 @@
       </p:grpSpPr>
       <p:sp>
         <p:nvSpPr>
-          <p:cNvPr id="17" name="PlaceHolder 1"/>
+          <p:cNvPr id="15" name="PlaceHolder 1"/>
           <p:cNvSpPr>
             <a:spLocks noGrp="1"/>
           </p:cNvSpPr>
@@ -1132,7 +1132,7 @@
       </p:sp>
       <p:sp>
         <p:nvSpPr>
-          <p:cNvPr id="18" name="PlaceHolder 2"/>
+          <p:cNvPr id="16" name="PlaceHolder 2"/>
           <p:cNvSpPr>
             <a:spLocks noGrp="1"/>
           </p:cNvSpPr>
@@ -1162,7 +1162,7 @@
       </p:sp>
       <p:sp>
         <p:nvSpPr>
-          <p:cNvPr id="19" name="PlaceHolder 3"/>
+          <p:cNvPr id="17" name="PlaceHolder 3"/>
           <p:cNvSpPr>
             <a:spLocks noGrp="1"/>
           </p:cNvSpPr>
@@ -1192,7 +1192,7 @@
       </p:sp>
       <p:sp>
         <p:nvSpPr>
-          <p:cNvPr id="20" name="PlaceHolder 4"/>
+          <p:cNvPr id="18" name="PlaceHolder 4"/>
           <p:cNvSpPr>
             <a:spLocks noGrp="1"/>
           </p:cNvSpPr>
@@ -1244,7 +1244,7 @@
       </p:grpSpPr>
       <p:sp>
         <p:nvSpPr>
-          <p:cNvPr id="21" name="PlaceHolder 1"/>
+          <p:cNvPr id="19" name="PlaceHolder 1"/>
           <p:cNvSpPr>
             <a:spLocks noGrp="1"/>
           </p:cNvSpPr>
@@ -1275,7 +1275,7 @@
       </p:sp>
       <p:sp>
         <p:nvSpPr>
-          <p:cNvPr id="22" name="PlaceHolder 2"/>
+          <p:cNvPr id="20" name="PlaceHolder 2"/>
           <p:cNvSpPr>
             <a:spLocks noGrp="1"/>
           </p:cNvSpPr>
@@ -1305,7 +1305,7 @@
       </p:sp>
       <p:sp>
         <p:nvSpPr>
-          <p:cNvPr id="23" name="PlaceHolder 3"/>
+          <p:cNvPr id="21" name="PlaceHolder 3"/>
           <p:cNvSpPr>
             <a:spLocks noGrp="1"/>
           </p:cNvSpPr>
@@ -1335,7 +1335,7 @@
       </p:sp>
       <p:sp>
         <p:nvSpPr>
-          <p:cNvPr id="24" name="PlaceHolder 4"/>
+          <p:cNvPr id="22" name="PlaceHolder 4"/>
           <p:cNvSpPr>
             <a:spLocks noGrp="1"/>
           </p:cNvSpPr>
@@ -1401,7 +1401,7 @@
         <p:spPr>
           <a:xfrm>
             <a:off x="0" y="4824360"/>
-            <a:ext cx="9139680" cy="314640"/>
+            <a:ext cx="9139320" cy="314280"/>
           </a:xfrm>
           <a:prstGeom prst="rect">
             <a:avLst/>
@@ -1462,7 +1462,7 @@
         <p:spPr>
           <a:xfrm>
             <a:off x="8714160" y="4897080"/>
-            <a:ext cx="187560" cy="187560"/>
+            <a:ext cx="187200" cy="187200"/>
           </a:xfrm>
           <a:prstGeom prst="ellipse">
             <a:avLst/>
@@ -1498,7 +1498,7 @@
                 <a:spcPct val="100000"/>
               </a:lnSpc>
             </a:pPr>
-            <a:fld id="{D3DB90F8-ED0F-4F34-B247-0977C3F32D53}" type="slidenum">
+            <a:fld id="{8AAEBE4E-5883-43EB-B4DF-3BE4757FE77F}" type="slidenum">
               <a:rPr b="0" lang="de-DE" sz="680" spc="-1" strike="noStrike">
                 <a:solidFill>
                   <a:srgbClr val="02d35f"/>
@@ -1509,222 +1509,6 @@
               <a:t>&lt;number&gt;</a:t>
             </a:fld>
             <a:endParaRPr b="0" lang="de-DE" sz="680" spc="-1" strike="noStrike">
-              <a:latin typeface="Arial"/>
-            </a:endParaRPr>
-          </a:p>
-        </p:txBody>
-      </p:sp>
-      <p:sp>
-        <p:nvSpPr>
-          <p:cNvPr id="2" name="PlaceHolder 3"/>
-          <p:cNvSpPr>
-            <a:spLocks noGrp="1"/>
-          </p:cNvSpPr>
-          <p:nvPr>
-            <p:ph type="title"/>
-          </p:nvPr>
-        </p:nvSpPr>
-        <p:spPr>
-          <a:xfrm>
-            <a:off x="457200" y="205200"/>
-            <a:ext cx="8229240" cy="858600"/>
-          </a:xfrm>
-          <a:prstGeom prst="rect">
-            <a:avLst/>
-          </a:prstGeom>
-        </p:spPr>
-        <p:txBody>
-          <a:bodyPr lIns="0" rIns="0" tIns="0" bIns="0" anchor="ctr">
-            <a:noAutofit/>
-          </a:bodyPr>
-          <a:p>
-            <a:pPr algn="ctr"/>
-            <a:r>
-              <a:rPr b="0" lang="de-DE" sz="4400" spc="-1" strike="noStrike">
-                <a:latin typeface="Arial"/>
-              </a:rPr>
-              <a:t>Click to edit the title text format</a:t>
-            </a:r>
-            <a:endParaRPr b="0" lang="de-DE" sz="4400" spc="-1" strike="noStrike">
-              <a:latin typeface="Arial"/>
-            </a:endParaRPr>
-          </a:p>
-        </p:txBody>
-      </p:sp>
-      <p:sp>
-        <p:nvSpPr>
-          <p:cNvPr id="3" name="PlaceHolder 4"/>
-          <p:cNvSpPr>
-            <a:spLocks noGrp="1"/>
-          </p:cNvSpPr>
-          <p:nvPr>
-            <p:ph type="body"/>
-          </p:nvPr>
-        </p:nvSpPr>
-        <p:spPr>
-          <a:xfrm>
-            <a:off x="457200" y="1203480"/>
-            <a:ext cx="8229240" cy="2982960"/>
-          </a:xfrm>
-          <a:prstGeom prst="rect">
-            <a:avLst/>
-          </a:prstGeom>
-        </p:spPr>
-        <p:txBody>
-          <a:bodyPr lIns="0" rIns="0" tIns="0" bIns="0">
-            <a:normAutofit/>
-          </a:bodyPr>
-          <a:p>
-            <a:pPr marL="432000" indent="-324000">
-              <a:spcBef>
-                <a:spcPts val="1417"/>
-              </a:spcBef>
-              <a:buClr>
-                <a:srgbClr val="000000"/>
-              </a:buClr>
-              <a:buSzPct val="45000"/>
-              <a:buFont typeface="Wingdings" charset="2"/>
-              <a:buChar char=""/>
-            </a:pPr>
-            <a:r>
-              <a:rPr b="0" lang="de-DE" sz="3200" spc="-1" strike="noStrike">
-                <a:latin typeface="Arial"/>
-              </a:rPr>
-              <a:t>Click to edit the outline text format</a:t>
-            </a:r>
-            <a:endParaRPr b="0" lang="de-DE" sz="3200" spc="-1" strike="noStrike">
-              <a:latin typeface="Arial"/>
-            </a:endParaRPr>
-          </a:p>
-          <a:p>
-            <a:pPr lvl="1" marL="864000" indent="-324000">
-              <a:spcBef>
-                <a:spcPts val="1134"/>
-              </a:spcBef>
-              <a:buClr>
-                <a:srgbClr val="000000"/>
-              </a:buClr>
-              <a:buSzPct val="75000"/>
-              <a:buFont typeface="Symbol" charset="2"/>
-              <a:buChar char=""/>
-            </a:pPr>
-            <a:r>
-              <a:rPr b="0" lang="de-DE" sz="2800" spc="-1" strike="noStrike">
-                <a:latin typeface="Arial"/>
-              </a:rPr>
-              <a:t>Second Outline Level</a:t>
-            </a:r>
-            <a:endParaRPr b="0" lang="de-DE" sz="2800" spc="-1" strike="noStrike">
-              <a:latin typeface="Arial"/>
-            </a:endParaRPr>
-          </a:p>
-          <a:p>
-            <a:pPr lvl="2" marL="1296000" indent="-288000">
-              <a:spcBef>
-                <a:spcPts val="850"/>
-              </a:spcBef>
-              <a:buClr>
-                <a:srgbClr val="000000"/>
-              </a:buClr>
-              <a:buSzPct val="45000"/>
-              <a:buFont typeface="Wingdings" charset="2"/>
-              <a:buChar char=""/>
-            </a:pPr>
-            <a:r>
-              <a:rPr b="0" lang="de-DE" sz="2400" spc="-1" strike="noStrike">
-                <a:latin typeface="Arial"/>
-              </a:rPr>
-              <a:t>Third Outline Level</a:t>
-            </a:r>
-            <a:endParaRPr b="0" lang="de-DE" sz="2400" spc="-1" strike="noStrike">
-              <a:latin typeface="Arial"/>
-            </a:endParaRPr>
-          </a:p>
-          <a:p>
-            <a:pPr lvl="3" marL="1728000" indent="-216000">
-              <a:spcBef>
-                <a:spcPts val="567"/>
-              </a:spcBef>
-              <a:buClr>
-                <a:srgbClr val="000000"/>
-              </a:buClr>
-              <a:buSzPct val="75000"/>
-              <a:buFont typeface="Symbol" charset="2"/>
-              <a:buChar char=""/>
-            </a:pPr>
-            <a:r>
-              <a:rPr b="0" lang="de-DE" sz="2000" spc="-1" strike="noStrike">
-                <a:latin typeface="Arial"/>
-              </a:rPr>
-              <a:t>Fourth Outline Level</a:t>
-            </a:r>
-            <a:endParaRPr b="0" lang="de-DE" sz="2000" spc="-1" strike="noStrike">
-              <a:latin typeface="Arial"/>
-            </a:endParaRPr>
-          </a:p>
-          <a:p>
-            <a:pPr lvl="4" marL="2160000" indent="-216000">
-              <a:spcBef>
-                <a:spcPts val="283"/>
-              </a:spcBef>
-              <a:buClr>
-                <a:srgbClr val="000000"/>
-              </a:buClr>
-              <a:buSzPct val="45000"/>
-              <a:buFont typeface="Wingdings" charset="2"/>
-              <a:buChar char=""/>
-            </a:pPr>
-            <a:r>
-              <a:rPr b="0" lang="de-DE" sz="2000" spc="-1" strike="noStrike">
-                <a:latin typeface="Arial"/>
-              </a:rPr>
-              <a:t>Fifth Outline Level</a:t>
-            </a:r>
-            <a:endParaRPr b="0" lang="de-DE" sz="2000" spc="-1" strike="noStrike">
-              <a:latin typeface="Arial"/>
-            </a:endParaRPr>
-          </a:p>
-          <a:p>
-            <a:pPr lvl="5" marL="2592000" indent="-216000">
-              <a:spcBef>
-                <a:spcPts val="283"/>
-              </a:spcBef>
-              <a:buClr>
-                <a:srgbClr val="000000"/>
-              </a:buClr>
-              <a:buSzPct val="45000"/>
-              <a:buFont typeface="Wingdings" charset="2"/>
-              <a:buChar char=""/>
-            </a:pPr>
-            <a:r>
-              <a:rPr b="0" lang="de-DE" sz="2000" spc="-1" strike="noStrike">
-                <a:latin typeface="Arial"/>
-              </a:rPr>
-              <a:t>Sixth Outline Level</a:t>
-            </a:r>
-            <a:endParaRPr b="0" lang="de-DE" sz="2000" spc="-1" strike="noStrike">
-              <a:latin typeface="Arial"/>
-            </a:endParaRPr>
-          </a:p>
-          <a:p>
-            <a:pPr lvl="6" marL="3024000" indent="-216000">
-              <a:spcBef>
-                <a:spcPts val="283"/>
-              </a:spcBef>
-              <a:buClr>
-                <a:srgbClr val="000000"/>
-              </a:buClr>
-              <a:buSzPct val="45000"/>
-              <a:buFont typeface="Wingdings" charset="2"/>
-              <a:buChar char=""/>
-            </a:pPr>
-            <a:r>
-              <a:rPr b="0" lang="de-DE" sz="2000" spc="-1" strike="noStrike">
-                <a:latin typeface="Arial"/>
-              </a:rPr>
-              <a:t>Seventh Outline Level</a:t>
-            </a:r>
-            <a:endParaRPr b="0" lang="de-DE" sz="2000" spc="-1" strike="noStrike">
               <a:latin typeface="Arial"/>
             </a:endParaRPr>
           </a:p>
@@ -1769,14 +1553,14 @@
       </p:grpSpPr>
       <p:sp>
         <p:nvSpPr>
-          <p:cNvPr id="40" name="CustomShape 1"/>
+          <p:cNvPr id="38" name="CustomShape 1"/>
           <p:cNvSpPr/>
           <p:nvPr/>
         </p:nvSpPr>
         <p:spPr>
           <a:xfrm>
             <a:off x="874800" y="343080"/>
-            <a:ext cx="7961760" cy="581400"/>
+            <a:ext cx="7961400" cy="581040"/>
           </a:xfrm>
           <a:prstGeom prst="rect">
             <a:avLst/>
@@ -1795,14 +1579,14 @@
       </p:sp>
       <p:sp>
         <p:nvSpPr>
-          <p:cNvPr id="41" name="CustomShape 2"/>
+          <p:cNvPr id="39" name="CustomShape 2"/>
           <p:cNvSpPr/>
           <p:nvPr/>
         </p:nvSpPr>
         <p:spPr>
           <a:xfrm>
             <a:off x="874800" y="1381680"/>
-            <a:ext cx="3892680" cy="3278880"/>
+            <a:ext cx="3892320" cy="3278520"/>
           </a:xfrm>
           <a:prstGeom prst="rect">
             <a:avLst/>
@@ -1821,14 +1605,14 @@
       </p:sp>
       <p:sp>
         <p:nvSpPr>
-          <p:cNvPr id="42" name="CustomShape 3"/>
+          <p:cNvPr id="40" name="CustomShape 3"/>
           <p:cNvSpPr/>
           <p:nvPr/>
         </p:nvSpPr>
         <p:spPr>
           <a:xfrm>
             <a:off x="874800" y="990360"/>
-            <a:ext cx="3892680" cy="324360"/>
+            <a:ext cx="3892320" cy="324000"/>
           </a:xfrm>
           <a:prstGeom prst="rect">
             <a:avLst/>
@@ -1847,14 +1631,14 @@
       </p:sp>
       <p:sp>
         <p:nvSpPr>
-          <p:cNvPr id="43" name="CustomShape 4"/>
+          <p:cNvPr id="41" name="CustomShape 4"/>
           <p:cNvSpPr/>
           <p:nvPr/>
         </p:nvSpPr>
         <p:spPr>
           <a:xfrm>
             <a:off x="4943520" y="1382400"/>
-            <a:ext cx="3896280" cy="3278880"/>
+            <a:ext cx="3895920" cy="3278520"/>
           </a:xfrm>
           <a:prstGeom prst="rect">
             <a:avLst/>
@@ -1873,14 +1657,14 @@
       </p:sp>
       <p:sp>
         <p:nvSpPr>
-          <p:cNvPr id="44" name="CustomShape 5"/>
+          <p:cNvPr id="42" name="CustomShape 5"/>
           <p:cNvSpPr/>
           <p:nvPr/>
         </p:nvSpPr>
         <p:spPr>
           <a:xfrm>
             <a:off x="4943520" y="990360"/>
-            <a:ext cx="3896280" cy="324360"/>
+            <a:ext cx="3895920" cy="324000"/>
           </a:xfrm>
           <a:prstGeom prst="rect">
             <a:avLst/>
@@ -1899,14 +1683,14 @@
       </p:sp>
       <p:sp>
         <p:nvSpPr>
-          <p:cNvPr id="45" name="CustomShape 6"/>
+          <p:cNvPr id="43" name="CustomShape 6"/>
           <p:cNvSpPr/>
           <p:nvPr/>
         </p:nvSpPr>
         <p:spPr>
           <a:xfrm>
             <a:off x="874800" y="343080"/>
-            <a:ext cx="7961760" cy="581400"/>
+            <a:ext cx="7961400" cy="581040"/>
           </a:xfrm>
           <a:prstGeom prst="rect">
             <a:avLst/>
@@ -1950,14 +1734,14 @@
       </p:sp>
       <p:sp>
         <p:nvSpPr>
-          <p:cNvPr id="46" name="CustomShape 7"/>
+          <p:cNvPr id="44" name="CustomShape 7"/>
           <p:cNvSpPr/>
           <p:nvPr/>
         </p:nvSpPr>
         <p:spPr>
           <a:xfrm>
             <a:off x="822960" y="1188720"/>
-            <a:ext cx="7130160" cy="1879920"/>
+            <a:ext cx="7129800" cy="1879560"/>
           </a:xfrm>
           <a:prstGeom prst="rect">
             <a:avLst/>
@@ -2066,6 +1850,26 @@
                 <a:hlinkClick r:id="rId2"/>
               </a:rPr>
               <a:t>https://www.gmbh-guide.de/kg-haftung-und-vorteile.html</a:t>
+            </a:r>
+            <a:endParaRPr b="0" lang="de-DE" sz="1800" spc="-1" strike="noStrike">
+              <a:latin typeface="Arial"/>
+            </a:endParaRPr>
+          </a:p>
+          <a:p>
+            <a:pPr>
+              <a:lnSpc>
+                <a:spcPct val="100000"/>
+              </a:lnSpc>
+            </a:pPr>
+            <a:r>
+              <a:rPr b="0" lang="de-DE" sz="1800" spc="-1" strike="noStrike">
+                <a:solidFill>
+                  <a:srgbClr val="000000"/>
+                </a:solidFill>
+                <a:latin typeface="Arial"/>
+                <a:ea typeface="DejaVu Sans"/>
+              </a:rPr>
+              <a:t>- https://de.wikipedia.org/wiki/Hoyer_Unternehmensgruppe</a:t>
             </a:r>
             <a:endParaRPr b="0" lang="de-DE" sz="1800" spc="-1" strike="noStrike">
               <a:latin typeface="Arial"/>

--- a/Referat_BWP_KG_Quellen.pptx
+++ b/Referat_BWP_KG_Quellen.pptx
@@ -8,7 +8,7 @@
     <p:sldId id="256" r:id="rId3"/>
   </p:sldIdLst>
   <p:sldSz cx="9144000" cy="5143500"/>
-  <p:notesSz cx="7559675" cy="10691812"/>
+  <p:notesSz cx="7772400" cy="10058400"/>
 </p:presentation>
 </file>
 
@@ -53,7 +53,7 @@
       </p:grpSpPr>
       <p:sp>
         <p:nvSpPr>
-          <p:cNvPr id="23" name="PlaceHolder 1"/>
+          <p:cNvPr id="25" name="PlaceHolder 1"/>
           <p:cNvSpPr>
             <a:spLocks noGrp="1"/>
           </p:cNvSpPr>
@@ -72,19 +72,19 @@
         </p:spPr>
         <p:txBody>
           <a:bodyPr lIns="0" rIns="0" tIns="0" bIns="0" anchor="ctr">
-            <a:noAutofit/>
+            <a:spAutoFit/>
           </a:bodyPr>
           <a:p>
             <a:pPr algn="ctr"/>
-            <a:endParaRPr b="0" lang="de-DE" sz="4400" spc="-1" strike="noStrike">
-              <a:latin typeface="Arial"/>
-            </a:endParaRPr>
-          </a:p>
-        </p:txBody>
-      </p:sp>
-      <p:sp>
-        <p:nvSpPr>
-          <p:cNvPr id="24" name="PlaceHolder 2"/>
+            <a:endParaRPr b="0" lang="en-US" sz="4400" spc="-1" strike="noStrike">
+              <a:latin typeface="Arial"/>
+            </a:endParaRPr>
+          </a:p>
+        </p:txBody>
+      </p:sp>
+      <p:sp>
+        <p:nvSpPr>
+          <p:cNvPr id="26" name="PlaceHolder 2"/>
           <p:cNvSpPr>
             <a:spLocks noGrp="1"/>
           </p:cNvSpPr>
@@ -106,15 +106,15 @@
             <a:normAutofit/>
           </a:bodyPr>
           <a:p>
-            <a:endParaRPr b="0" lang="de-DE" sz="3200" spc="-1" strike="noStrike">
-              <a:latin typeface="Arial"/>
-            </a:endParaRPr>
-          </a:p>
-        </p:txBody>
-      </p:sp>
-      <p:sp>
-        <p:nvSpPr>
-          <p:cNvPr id="25" name="PlaceHolder 3"/>
+            <a:endParaRPr b="0" lang="en-US" sz="3200" spc="-1" strike="noStrike">
+              <a:latin typeface="Arial"/>
+            </a:endParaRPr>
+          </a:p>
+        </p:txBody>
+      </p:sp>
+      <p:sp>
+        <p:nvSpPr>
+          <p:cNvPr id="27" name="PlaceHolder 3"/>
           <p:cNvSpPr>
             <a:spLocks noGrp="1"/>
           </p:cNvSpPr>
@@ -136,7 +136,7 @@
             <a:normAutofit/>
           </a:bodyPr>
           <a:p>
-            <a:endParaRPr b="0" lang="de-DE" sz="3200" spc="-1" strike="noStrike">
+            <a:endParaRPr b="0" lang="en-US" sz="3200" spc="-1" strike="noStrike">
               <a:latin typeface="Arial"/>
             </a:endParaRPr>
           </a:p>
@@ -166,7 +166,7 @@
       </p:grpSpPr>
       <p:sp>
         <p:nvSpPr>
-          <p:cNvPr id="26" name="PlaceHolder 1"/>
+          <p:cNvPr id="28" name="PlaceHolder 1"/>
           <p:cNvSpPr>
             <a:spLocks noGrp="1"/>
           </p:cNvSpPr>
@@ -185,19 +185,19 @@
         </p:spPr>
         <p:txBody>
           <a:bodyPr lIns="0" rIns="0" tIns="0" bIns="0" anchor="ctr">
-            <a:noAutofit/>
+            <a:spAutoFit/>
           </a:bodyPr>
           <a:p>
             <a:pPr algn="ctr"/>
-            <a:endParaRPr b="0" lang="de-DE" sz="4400" spc="-1" strike="noStrike">
-              <a:latin typeface="Arial"/>
-            </a:endParaRPr>
-          </a:p>
-        </p:txBody>
-      </p:sp>
-      <p:sp>
-        <p:nvSpPr>
-          <p:cNvPr id="27" name="PlaceHolder 2"/>
+            <a:endParaRPr b="0" lang="en-US" sz="4400" spc="-1" strike="noStrike">
+              <a:latin typeface="Arial"/>
+            </a:endParaRPr>
+          </a:p>
+        </p:txBody>
+      </p:sp>
+      <p:sp>
+        <p:nvSpPr>
+          <p:cNvPr id="29" name="PlaceHolder 2"/>
           <p:cNvSpPr>
             <a:spLocks noGrp="1"/>
           </p:cNvSpPr>
@@ -219,15 +219,15 @@
             <a:normAutofit/>
           </a:bodyPr>
           <a:p>
-            <a:endParaRPr b="0" lang="de-DE" sz="3200" spc="-1" strike="noStrike">
-              <a:latin typeface="Arial"/>
-            </a:endParaRPr>
-          </a:p>
-        </p:txBody>
-      </p:sp>
-      <p:sp>
-        <p:nvSpPr>
-          <p:cNvPr id="28" name="PlaceHolder 3"/>
+            <a:endParaRPr b="0" lang="en-US" sz="3200" spc="-1" strike="noStrike">
+              <a:latin typeface="Arial"/>
+            </a:endParaRPr>
+          </a:p>
+        </p:txBody>
+      </p:sp>
+      <p:sp>
+        <p:nvSpPr>
+          <p:cNvPr id="30" name="PlaceHolder 3"/>
           <p:cNvSpPr>
             <a:spLocks noGrp="1"/>
           </p:cNvSpPr>
@@ -249,15 +249,15 @@
             <a:normAutofit/>
           </a:bodyPr>
           <a:p>
-            <a:endParaRPr b="0" lang="de-DE" sz="3200" spc="-1" strike="noStrike">
-              <a:latin typeface="Arial"/>
-            </a:endParaRPr>
-          </a:p>
-        </p:txBody>
-      </p:sp>
-      <p:sp>
-        <p:nvSpPr>
-          <p:cNvPr id="29" name="PlaceHolder 4"/>
+            <a:endParaRPr b="0" lang="en-US" sz="3200" spc="-1" strike="noStrike">
+              <a:latin typeface="Arial"/>
+            </a:endParaRPr>
+          </a:p>
+        </p:txBody>
+      </p:sp>
+      <p:sp>
+        <p:nvSpPr>
+          <p:cNvPr id="31" name="PlaceHolder 4"/>
           <p:cNvSpPr>
             <a:spLocks noGrp="1"/>
           </p:cNvSpPr>
@@ -279,15 +279,15 @@
             <a:normAutofit/>
           </a:bodyPr>
           <a:p>
-            <a:endParaRPr b="0" lang="de-DE" sz="3200" spc="-1" strike="noStrike">
-              <a:latin typeface="Arial"/>
-            </a:endParaRPr>
-          </a:p>
-        </p:txBody>
-      </p:sp>
-      <p:sp>
-        <p:nvSpPr>
-          <p:cNvPr id="30" name="PlaceHolder 5"/>
+            <a:endParaRPr b="0" lang="en-US" sz="3200" spc="-1" strike="noStrike">
+              <a:latin typeface="Arial"/>
+            </a:endParaRPr>
+          </a:p>
+        </p:txBody>
+      </p:sp>
+      <p:sp>
+        <p:nvSpPr>
+          <p:cNvPr id="32" name="PlaceHolder 5"/>
           <p:cNvSpPr>
             <a:spLocks noGrp="1"/>
           </p:cNvSpPr>
@@ -309,7 +309,7 @@
             <a:normAutofit/>
           </a:bodyPr>
           <a:p>
-            <a:endParaRPr b="0" lang="de-DE" sz="3200" spc="-1" strike="noStrike">
+            <a:endParaRPr b="0" lang="en-US" sz="3200" spc="-1" strike="noStrike">
               <a:latin typeface="Arial"/>
             </a:endParaRPr>
           </a:p>
@@ -339,7 +339,7 @@
       </p:grpSpPr>
       <p:sp>
         <p:nvSpPr>
-          <p:cNvPr id="31" name="PlaceHolder 1"/>
+          <p:cNvPr id="33" name="PlaceHolder 1"/>
           <p:cNvSpPr>
             <a:spLocks noGrp="1"/>
           </p:cNvSpPr>
@@ -358,19 +358,19 @@
         </p:spPr>
         <p:txBody>
           <a:bodyPr lIns="0" rIns="0" tIns="0" bIns="0" anchor="ctr">
-            <a:noAutofit/>
+            <a:spAutoFit/>
           </a:bodyPr>
           <a:p>
             <a:pPr algn="ctr"/>
-            <a:endParaRPr b="0" lang="de-DE" sz="4400" spc="-1" strike="noStrike">
-              <a:latin typeface="Arial"/>
-            </a:endParaRPr>
-          </a:p>
-        </p:txBody>
-      </p:sp>
-      <p:sp>
-        <p:nvSpPr>
-          <p:cNvPr id="32" name="PlaceHolder 2"/>
+            <a:endParaRPr b="0" lang="en-US" sz="4400" spc="-1" strike="noStrike">
+              <a:latin typeface="Arial"/>
+            </a:endParaRPr>
+          </a:p>
+        </p:txBody>
+      </p:sp>
+      <p:sp>
+        <p:nvSpPr>
+          <p:cNvPr id="34" name="PlaceHolder 2"/>
           <p:cNvSpPr>
             <a:spLocks noGrp="1"/>
           </p:cNvSpPr>
@@ -392,15 +392,15 @@
             <a:normAutofit/>
           </a:bodyPr>
           <a:p>
-            <a:endParaRPr b="0" lang="de-DE" sz="3200" spc="-1" strike="noStrike">
-              <a:latin typeface="Arial"/>
-            </a:endParaRPr>
-          </a:p>
-        </p:txBody>
-      </p:sp>
-      <p:sp>
-        <p:nvSpPr>
-          <p:cNvPr id="33" name="PlaceHolder 3"/>
+            <a:endParaRPr b="0" lang="en-US" sz="3200" spc="-1" strike="noStrike">
+              <a:latin typeface="Arial"/>
+            </a:endParaRPr>
+          </a:p>
+        </p:txBody>
+      </p:sp>
+      <p:sp>
+        <p:nvSpPr>
+          <p:cNvPr id="35" name="PlaceHolder 3"/>
           <p:cNvSpPr>
             <a:spLocks noGrp="1"/>
           </p:cNvSpPr>
@@ -422,15 +422,15 @@
             <a:normAutofit/>
           </a:bodyPr>
           <a:p>
-            <a:endParaRPr b="0" lang="de-DE" sz="3200" spc="-1" strike="noStrike">
-              <a:latin typeface="Arial"/>
-            </a:endParaRPr>
-          </a:p>
-        </p:txBody>
-      </p:sp>
-      <p:sp>
-        <p:nvSpPr>
-          <p:cNvPr id="34" name="PlaceHolder 4"/>
+            <a:endParaRPr b="0" lang="en-US" sz="3200" spc="-1" strike="noStrike">
+              <a:latin typeface="Arial"/>
+            </a:endParaRPr>
+          </a:p>
+        </p:txBody>
+      </p:sp>
+      <p:sp>
+        <p:nvSpPr>
+          <p:cNvPr id="36" name="PlaceHolder 4"/>
           <p:cNvSpPr>
             <a:spLocks noGrp="1"/>
           </p:cNvSpPr>
@@ -452,15 +452,15 @@
             <a:normAutofit/>
           </a:bodyPr>
           <a:p>
-            <a:endParaRPr b="0" lang="de-DE" sz="3200" spc="-1" strike="noStrike">
-              <a:latin typeface="Arial"/>
-            </a:endParaRPr>
-          </a:p>
-        </p:txBody>
-      </p:sp>
-      <p:sp>
-        <p:nvSpPr>
-          <p:cNvPr id="35" name="PlaceHolder 5"/>
+            <a:endParaRPr b="0" lang="en-US" sz="3200" spc="-1" strike="noStrike">
+              <a:latin typeface="Arial"/>
+            </a:endParaRPr>
+          </a:p>
+        </p:txBody>
+      </p:sp>
+      <p:sp>
+        <p:nvSpPr>
+          <p:cNvPr id="37" name="PlaceHolder 5"/>
           <p:cNvSpPr>
             <a:spLocks noGrp="1"/>
           </p:cNvSpPr>
@@ -482,15 +482,15 @@
             <a:normAutofit/>
           </a:bodyPr>
           <a:p>
-            <a:endParaRPr b="0" lang="de-DE" sz="3200" spc="-1" strike="noStrike">
-              <a:latin typeface="Arial"/>
-            </a:endParaRPr>
-          </a:p>
-        </p:txBody>
-      </p:sp>
-      <p:sp>
-        <p:nvSpPr>
-          <p:cNvPr id="36" name="PlaceHolder 6"/>
+            <a:endParaRPr b="0" lang="en-US" sz="3200" spc="-1" strike="noStrike">
+              <a:latin typeface="Arial"/>
+            </a:endParaRPr>
+          </a:p>
+        </p:txBody>
+      </p:sp>
+      <p:sp>
+        <p:nvSpPr>
+          <p:cNvPr id="38" name="PlaceHolder 6"/>
           <p:cNvSpPr>
             <a:spLocks noGrp="1"/>
           </p:cNvSpPr>
@@ -512,15 +512,15 @@
             <a:normAutofit/>
           </a:bodyPr>
           <a:p>
-            <a:endParaRPr b="0" lang="de-DE" sz="3200" spc="-1" strike="noStrike">
-              <a:latin typeface="Arial"/>
-            </a:endParaRPr>
-          </a:p>
-        </p:txBody>
-      </p:sp>
-      <p:sp>
-        <p:nvSpPr>
-          <p:cNvPr id="37" name="PlaceHolder 7"/>
+            <a:endParaRPr b="0" lang="en-US" sz="3200" spc="-1" strike="noStrike">
+              <a:latin typeface="Arial"/>
+            </a:endParaRPr>
+          </a:p>
+        </p:txBody>
+      </p:sp>
+      <p:sp>
+        <p:nvSpPr>
+          <p:cNvPr id="39" name="PlaceHolder 7"/>
           <p:cNvSpPr>
             <a:spLocks noGrp="1"/>
           </p:cNvSpPr>
@@ -542,7 +542,7 @@
             <a:normAutofit/>
           </a:bodyPr>
           <a:p>
-            <a:endParaRPr b="0" lang="de-DE" sz="3200" spc="-1" strike="noStrike">
+            <a:endParaRPr b="0" lang="en-US" sz="3200" spc="-1" strike="noStrike">
               <a:latin typeface="Arial"/>
             </a:endParaRPr>
           </a:p>
@@ -572,7 +572,7 @@
       </p:grpSpPr>
       <p:sp>
         <p:nvSpPr>
-          <p:cNvPr id="2" name="PlaceHolder 1"/>
+          <p:cNvPr id="4" name="PlaceHolder 1"/>
           <p:cNvSpPr>
             <a:spLocks noGrp="1"/>
           </p:cNvSpPr>
@@ -591,19 +591,19 @@
         </p:spPr>
         <p:txBody>
           <a:bodyPr lIns="0" rIns="0" tIns="0" bIns="0" anchor="ctr">
-            <a:noAutofit/>
+            <a:spAutoFit/>
           </a:bodyPr>
           <a:p>
             <a:pPr algn="ctr"/>
-            <a:endParaRPr b="0" lang="de-DE" sz="4400" spc="-1" strike="noStrike">
-              <a:latin typeface="Arial"/>
-            </a:endParaRPr>
-          </a:p>
-        </p:txBody>
-      </p:sp>
-      <p:sp>
-        <p:nvSpPr>
-          <p:cNvPr id="3" name="PlaceHolder 2"/>
+            <a:endParaRPr b="0" lang="en-US" sz="4400" spc="-1" strike="noStrike">
+              <a:latin typeface="Arial"/>
+            </a:endParaRPr>
+          </a:p>
+        </p:txBody>
+      </p:sp>
+      <p:sp>
+        <p:nvSpPr>
+          <p:cNvPr id="5" name="PlaceHolder 2"/>
           <p:cNvSpPr>
             <a:spLocks noGrp="1"/>
           </p:cNvSpPr>
@@ -622,11 +622,11 @@
         </p:spPr>
         <p:txBody>
           <a:bodyPr lIns="0" rIns="0" tIns="0" bIns="0" anchor="ctr">
-            <a:noAutofit/>
+            <a:spAutoFit/>
           </a:bodyPr>
           <a:p>
             <a:pPr algn="ctr"/>
-            <a:endParaRPr b="0" lang="de-DE" sz="3200" spc="-1" strike="noStrike">
+            <a:endParaRPr b="0" lang="en-US" sz="3200" spc="-1" strike="noStrike">
               <a:latin typeface="Arial"/>
             </a:endParaRPr>
           </a:p>
@@ -656,7 +656,7 @@
       </p:grpSpPr>
       <p:sp>
         <p:nvSpPr>
-          <p:cNvPr id="4" name="PlaceHolder 1"/>
+          <p:cNvPr id="6" name="PlaceHolder 1"/>
           <p:cNvSpPr>
             <a:spLocks noGrp="1"/>
           </p:cNvSpPr>
@@ -675,19 +675,19 @@
         </p:spPr>
         <p:txBody>
           <a:bodyPr lIns="0" rIns="0" tIns="0" bIns="0" anchor="ctr">
-            <a:noAutofit/>
+            <a:spAutoFit/>
           </a:bodyPr>
           <a:p>
             <a:pPr algn="ctr"/>
-            <a:endParaRPr b="0" lang="de-DE" sz="4400" spc="-1" strike="noStrike">
-              <a:latin typeface="Arial"/>
-            </a:endParaRPr>
-          </a:p>
-        </p:txBody>
-      </p:sp>
-      <p:sp>
-        <p:nvSpPr>
-          <p:cNvPr id="5" name="PlaceHolder 2"/>
+            <a:endParaRPr b="0" lang="en-US" sz="4400" spc="-1" strike="noStrike">
+              <a:latin typeface="Arial"/>
+            </a:endParaRPr>
+          </a:p>
+        </p:txBody>
+      </p:sp>
+      <p:sp>
+        <p:nvSpPr>
+          <p:cNvPr id="7" name="PlaceHolder 2"/>
           <p:cNvSpPr>
             <a:spLocks noGrp="1"/>
           </p:cNvSpPr>
@@ -709,7 +709,7 @@
             <a:normAutofit/>
           </a:bodyPr>
           <a:p>
-            <a:endParaRPr b="0" lang="de-DE" sz="3200" spc="-1" strike="noStrike">
+            <a:endParaRPr b="0" lang="en-US" sz="3200" spc="-1" strike="noStrike">
               <a:latin typeface="Arial"/>
             </a:endParaRPr>
           </a:p>
@@ -739,7 +739,7 @@
       </p:grpSpPr>
       <p:sp>
         <p:nvSpPr>
-          <p:cNvPr id="6" name="PlaceHolder 1"/>
+          <p:cNvPr id="8" name="PlaceHolder 1"/>
           <p:cNvSpPr>
             <a:spLocks noGrp="1"/>
           </p:cNvSpPr>
@@ -758,19 +758,19 @@
         </p:spPr>
         <p:txBody>
           <a:bodyPr lIns="0" rIns="0" tIns="0" bIns="0" anchor="ctr">
-            <a:noAutofit/>
+            <a:spAutoFit/>
           </a:bodyPr>
           <a:p>
             <a:pPr algn="ctr"/>
-            <a:endParaRPr b="0" lang="de-DE" sz="4400" spc="-1" strike="noStrike">
-              <a:latin typeface="Arial"/>
-            </a:endParaRPr>
-          </a:p>
-        </p:txBody>
-      </p:sp>
-      <p:sp>
-        <p:nvSpPr>
-          <p:cNvPr id="7" name="PlaceHolder 2"/>
+            <a:endParaRPr b="0" lang="en-US" sz="4400" spc="-1" strike="noStrike">
+              <a:latin typeface="Arial"/>
+            </a:endParaRPr>
+          </a:p>
+        </p:txBody>
+      </p:sp>
+      <p:sp>
+        <p:nvSpPr>
+          <p:cNvPr id="9" name="PlaceHolder 2"/>
           <p:cNvSpPr>
             <a:spLocks noGrp="1"/>
           </p:cNvSpPr>
@@ -792,15 +792,15 @@
             <a:normAutofit/>
           </a:bodyPr>
           <a:p>
-            <a:endParaRPr b="0" lang="de-DE" sz="3200" spc="-1" strike="noStrike">
-              <a:latin typeface="Arial"/>
-            </a:endParaRPr>
-          </a:p>
-        </p:txBody>
-      </p:sp>
-      <p:sp>
-        <p:nvSpPr>
-          <p:cNvPr id="8" name="PlaceHolder 3"/>
+            <a:endParaRPr b="0" lang="en-US" sz="3200" spc="-1" strike="noStrike">
+              <a:latin typeface="Arial"/>
+            </a:endParaRPr>
+          </a:p>
+        </p:txBody>
+      </p:sp>
+      <p:sp>
+        <p:nvSpPr>
+          <p:cNvPr id="10" name="PlaceHolder 3"/>
           <p:cNvSpPr>
             <a:spLocks noGrp="1"/>
           </p:cNvSpPr>
@@ -822,7 +822,7 @@
             <a:normAutofit/>
           </a:bodyPr>
           <a:p>
-            <a:endParaRPr b="0" lang="de-DE" sz="3200" spc="-1" strike="noStrike">
+            <a:endParaRPr b="0" lang="en-US" sz="3200" spc="-1" strike="noStrike">
               <a:latin typeface="Arial"/>
             </a:endParaRPr>
           </a:p>
@@ -852,7 +852,7 @@
       </p:grpSpPr>
       <p:sp>
         <p:nvSpPr>
-          <p:cNvPr id="9" name="PlaceHolder 1"/>
+          <p:cNvPr id="11" name="PlaceHolder 1"/>
           <p:cNvSpPr>
             <a:spLocks noGrp="1"/>
           </p:cNvSpPr>
@@ -871,11 +871,11 @@
         </p:spPr>
         <p:txBody>
           <a:bodyPr lIns="0" rIns="0" tIns="0" bIns="0" anchor="ctr">
-            <a:noAutofit/>
+            <a:spAutoFit/>
           </a:bodyPr>
           <a:p>
             <a:pPr algn="ctr"/>
-            <a:endParaRPr b="0" lang="de-DE" sz="4400" spc="-1" strike="noStrike">
+            <a:endParaRPr b="0" lang="en-US" sz="4400" spc="-1" strike="noStrike">
               <a:latin typeface="Arial"/>
             </a:endParaRPr>
           </a:p>
@@ -905,7 +905,7 @@
       </p:grpSpPr>
       <p:sp>
         <p:nvSpPr>
-          <p:cNvPr id="10" name="PlaceHolder 1"/>
+          <p:cNvPr id="12" name="PlaceHolder 1"/>
           <p:cNvSpPr>
             <a:spLocks noGrp="1"/>
           </p:cNvSpPr>
@@ -924,11 +924,11 @@
         </p:spPr>
         <p:txBody>
           <a:bodyPr lIns="0" rIns="0" tIns="0" bIns="0" anchor="ctr">
-            <a:noAutofit/>
+            <a:spAutoFit/>
           </a:bodyPr>
           <a:p>
             <a:pPr algn="ctr"/>
-            <a:endParaRPr b="0" lang="de-DE" sz="3200" spc="-1" strike="noStrike">
+            <a:endParaRPr b="0" lang="en-US" sz="3200" spc="-1" strike="noStrike">
               <a:latin typeface="Arial"/>
             </a:endParaRPr>
           </a:p>
@@ -958,7 +958,7 @@
       </p:grpSpPr>
       <p:sp>
         <p:nvSpPr>
-          <p:cNvPr id="11" name="PlaceHolder 1"/>
+          <p:cNvPr id="13" name="PlaceHolder 1"/>
           <p:cNvSpPr>
             <a:spLocks noGrp="1"/>
           </p:cNvSpPr>
@@ -977,19 +977,19 @@
         </p:spPr>
         <p:txBody>
           <a:bodyPr lIns="0" rIns="0" tIns="0" bIns="0" anchor="ctr">
-            <a:noAutofit/>
+            <a:spAutoFit/>
           </a:bodyPr>
           <a:p>
             <a:pPr algn="ctr"/>
-            <a:endParaRPr b="0" lang="de-DE" sz="4400" spc="-1" strike="noStrike">
-              <a:latin typeface="Arial"/>
-            </a:endParaRPr>
-          </a:p>
-        </p:txBody>
-      </p:sp>
-      <p:sp>
-        <p:nvSpPr>
-          <p:cNvPr id="12" name="PlaceHolder 2"/>
+            <a:endParaRPr b="0" lang="en-US" sz="4400" spc="-1" strike="noStrike">
+              <a:latin typeface="Arial"/>
+            </a:endParaRPr>
+          </a:p>
+        </p:txBody>
+      </p:sp>
+      <p:sp>
+        <p:nvSpPr>
+          <p:cNvPr id="14" name="PlaceHolder 2"/>
           <p:cNvSpPr>
             <a:spLocks noGrp="1"/>
           </p:cNvSpPr>
@@ -1011,15 +1011,15 @@
             <a:normAutofit/>
           </a:bodyPr>
           <a:p>
-            <a:endParaRPr b="0" lang="de-DE" sz="3200" spc="-1" strike="noStrike">
-              <a:latin typeface="Arial"/>
-            </a:endParaRPr>
-          </a:p>
-        </p:txBody>
-      </p:sp>
-      <p:sp>
-        <p:nvSpPr>
-          <p:cNvPr id="13" name="PlaceHolder 3"/>
+            <a:endParaRPr b="0" lang="en-US" sz="3200" spc="-1" strike="noStrike">
+              <a:latin typeface="Arial"/>
+            </a:endParaRPr>
+          </a:p>
+        </p:txBody>
+      </p:sp>
+      <p:sp>
+        <p:nvSpPr>
+          <p:cNvPr id="15" name="PlaceHolder 3"/>
           <p:cNvSpPr>
             <a:spLocks noGrp="1"/>
           </p:cNvSpPr>
@@ -1041,15 +1041,15 @@
             <a:normAutofit/>
           </a:bodyPr>
           <a:p>
-            <a:endParaRPr b="0" lang="de-DE" sz="3200" spc="-1" strike="noStrike">
-              <a:latin typeface="Arial"/>
-            </a:endParaRPr>
-          </a:p>
-        </p:txBody>
-      </p:sp>
-      <p:sp>
-        <p:nvSpPr>
-          <p:cNvPr id="14" name="PlaceHolder 4"/>
+            <a:endParaRPr b="0" lang="en-US" sz="3200" spc="-1" strike="noStrike">
+              <a:latin typeface="Arial"/>
+            </a:endParaRPr>
+          </a:p>
+        </p:txBody>
+      </p:sp>
+      <p:sp>
+        <p:nvSpPr>
+          <p:cNvPr id="16" name="PlaceHolder 4"/>
           <p:cNvSpPr>
             <a:spLocks noGrp="1"/>
           </p:cNvSpPr>
@@ -1071,7 +1071,7 @@
             <a:normAutofit/>
           </a:bodyPr>
           <a:p>
-            <a:endParaRPr b="0" lang="de-DE" sz="3200" spc="-1" strike="noStrike">
+            <a:endParaRPr b="0" lang="en-US" sz="3200" spc="-1" strike="noStrike">
               <a:latin typeface="Arial"/>
             </a:endParaRPr>
           </a:p>
@@ -1101,7 +1101,7 @@
       </p:grpSpPr>
       <p:sp>
         <p:nvSpPr>
-          <p:cNvPr id="15" name="PlaceHolder 1"/>
+          <p:cNvPr id="17" name="PlaceHolder 1"/>
           <p:cNvSpPr>
             <a:spLocks noGrp="1"/>
           </p:cNvSpPr>
@@ -1120,19 +1120,19 @@
         </p:spPr>
         <p:txBody>
           <a:bodyPr lIns="0" rIns="0" tIns="0" bIns="0" anchor="ctr">
-            <a:noAutofit/>
+            <a:spAutoFit/>
           </a:bodyPr>
           <a:p>
             <a:pPr algn="ctr"/>
-            <a:endParaRPr b="0" lang="de-DE" sz="4400" spc="-1" strike="noStrike">
-              <a:latin typeface="Arial"/>
-            </a:endParaRPr>
-          </a:p>
-        </p:txBody>
-      </p:sp>
-      <p:sp>
-        <p:nvSpPr>
-          <p:cNvPr id="16" name="PlaceHolder 2"/>
+            <a:endParaRPr b="0" lang="en-US" sz="4400" spc="-1" strike="noStrike">
+              <a:latin typeface="Arial"/>
+            </a:endParaRPr>
+          </a:p>
+        </p:txBody>
+      </p:sp>
+      <p:sp>
+        <p:nvSpPr>
+          <p:cNvPr id="18" name="PlaceHolder 2"/>
           <p:cNvSpPr>
             <a:spLocks noGrp="1"/>
           </p:cNvSpPr>
@@ -1154,15 +1154,15 @@
             <a:normAutofit/>
           </a:bodyPr>
           <a:p>
-            <a:endParaRPr b="0" lang="de-DE" sz="3200" spc="-1" strike="noStrike">
-              <a:latin typeface="Arial"/>
-            </a:endParaRPr>
-          </a:p>
-        </p:txBody>
-      </p:sp>
-      <p:sp>
-        <p:nvSpPr>
-          <p:cNvPr id="17" name="PlaceHolder 3"/>
+            <a:endParaRPr b="0" lang="en-US" sz="3200" spc="-1" strike="noStrike">
+              <a:latin typeface="Arial"/>
+            </a:endParaRPr>
+          </a:p>
+        </p:txBody>
+      </p:sp>
+      <p:sp>
+        <p:nvSpPr>
+          <p:cNvPr id="19" name="PlaceHolder 3"/>
           <p:cNvSpPr>
             <a:spLocks noGrp="1"/>
           </p:cNvSpPr>
@@ -1184,15 +1184,15 @@
             <a:normAutofit/>
           </a:bodyPr>
           <a:p>
-            <a:endParaRPr b="0" lang="de-DE" sz="3200" spc="-1" strike="noStrike">
-              <a:latin typeface="Arial"/>
-            </a:endParaRPr>
-          </a:p>
-        </p:txBody>
-      </p:sp>
-      <p:sp>
-        <p:nvSpPr>
-          <p:cNvPr id="18" name="PlaceHolder 4"/>
+            <a:endParaRPr b="0" lang="en-US" sz="3200" spc="-1" strike="noStrike">
+              <a:latin typeface="Arial"/>
+            </a:endParaRPr>
+          </a:p>
+        </p:txBody>
+      </p:sp>
+      <p:sp>
+        <p:nvSpPr>
+          <p:cNvPr id="20" name="PlaceHolder 4"/>
           <p:cNvSpPr>
             <a:spLocks noGrp="1"/>
           </p:cNvSpPr>
@@ -1214,7 +1214,7 @@
             <a:normAutofit/>
           </a:bodyPr>
           <a:p>
-            <a:endParaRPr b="0" lang="de-DE" sz="3200" spc="-1" strike="noStrike">
+            <a:endParaRPr b="0" lang="en-US" sz="3200" spc="-1" strike="noStrike">
               <a:latin typeface="Arial"/>
             </a:endParaRPr>
           </a:p>
@@ -1244,7 +1244,7 @@
       </p:grpSpPr>
       <p:sp>
         <p:nvSpPr>
-          <p:cNvPr id="19" name="PlaceHolder 1"/>
+          <p:cNvPr id="21" name="PlaceHolder 1"/>
           <p:cNvSpPr>
             <a:spLocks noGrp="1"/>
           </p:cNvSpPr>
@@ -1263,19 +1263,19 @@
         </p:spPr>
         <p:txBody>
           <a:bodyPr lIns="0" rIns="0" tIns="0" bIns="0" anchor="ctr">
-            <a:noAutofit/>
+            <a:spAutoFit/>
           </a:bodyPr>
           <a:p>
             <a:pPr algn="ctr"/>
-            <a:endParaRPr b="0" lang="de-DE" sz="4400" spc="-1" strike="noStrike">
-              <a:latin typeface="Arial"/>
-            </a:endParaRPr>
-          </a:p>
-        </p:txBody>
-      </p:sp>
-      <p:sp>
-        <p:nvSpPr>
-          <p:cNvPr id="20" name="PlaceHolder 2"/>
+            <a:endParaRPr b="0" lang="en-US" sz="4400" spc="-1" strike="noStrike">
+              <a:latin typeface="Arial"/>
+            </a:endParaRPr>
+          </a:p>
+        </p:txBody>
+      </p:sp>
+      <p:sp>
+        <p:nvSpPr>
+          <p:cNvPr id="22" name="PlaceHolder 2"/>
           <p:cNvSpPr>
             <a:spLocks noGrp="1"/>
           </p:cNvSpPr>
@@ -1297,15 +1297,15 @@
             <a:normAutofit/>
           </a:bodyPr>
           <a:p>
-            <a:endParaRPr b="0" lang="de-DE" sz="3200" spc="-1" strike="noStrike">
-              <a:latin typeface="Arial"/>
-            </a:endParaRPr>
-          </a:p>
-        </p:txBody>
-      </p:sp>
-      <p:sp>
-        <p:nvSpPr>
-          <p:cNvPr id="21" name="PlaceHolder 3"/>
+            <a:endParaRPr b="0" lang="en-US" sz="3200" spc="-1" strike="noStrike">
+              <a:latin typeface="Arial"/>
+            </a:endParaRPr>
+          </a:p>
+        </p:txBody>
+      </p:sp>
+      <p:sp>
+        <p:nvSpPr>
+          <p:cNvPr id="23" name="PlaceHolder 3"/>
           <p:cNvSpPr>
             <a:spLocks noGrp="1"/>
           </p:cNvSpPr>
@@ -1327,15 +1327,15 @@
             <a:normAutofit/>
           </a:bodyPr>
           <a:p>
-            <a:endParaRPr b="0" lang="de-DE" sz="3200" spc="-1" strike="noStrike">
-              <a:latin typeface="Arial"/>
-            </a:endParaRPr>
-          </a:p>
-        </p:txBody>
-      </p:sp>
-      <p:sp>
-        <p:nvSpPr>
-          <p:cNvPr id="22" name="PlaceHolder 4"/>
+            <a:endParaRPr b="0" lang="en-US" sz="3200" spc="-1" strike="noStrike">
+              <a:latin typeface="Arial"/>
+            </a:endParaRPr>
+          </a:p>
+        </p:txBody>
+      </p:sp>
+      <p:sp>
+        <p:nvSpPr>
+          <p:cNvPr id="24" name="PlaceHolder 4"/>
           <p:cNvSpPr>
             <a:spLocks noGrp="1"/>
           </p:cNvSpPr>
@@ -1357,7 +1357,7 @@
             <a:normAutofit/>
           </a:bodyPr>
           <a:p>
-            <a:endParaRPr b="0" lang="de-DE" sz="3200" spc="-1" strike="noStrike">
+            <a:endParaRPr b="0" lang="en-US" sz="3200" spc="-1" strike="noStrike">
               <a:latin typeface="Arial"/>
             </a:endParaRPr>
           </a:p>
@@ -1401,7 +1401,7 @@
         <p:spPr>
           <a:xfrm>
             <a:off x="0" y="4824360"/>
-            <a:ext cx="9139320" cy="314280"/>
+            <a:ext cx="9138960" cy="313920"/>
           </a:xfrm>
           <a:prstGeom prst="rect">
             <a:avLst/>
@@ -1438,7 +1438,7 @@
               </a:lnSpc>
             </a:pPr>
             <a:r>
-              <a:rPr b="1" lang="de-DE" sz="1300" spc="-1" strike="noStrike">
+              <a:rPr b="1" lang="en-US" sz="1300" spc="-1" strike="noStrike">
                 <a:solidFill>
                   <a:srgbClr val="003259"/>
                 </a:solidFill>
@@ -1447,7 +1447,7 @@
               </a:rPr>
               <a:t>Die Kommanditgesellschaft</a:t>
             </a:r>
-            <a:endParaRPr b="0" lang="de-DE" sz="1300" spc="-1" strike="noStrike">
+            <a:endParaRPr b="0" lang="en-US" sz="1300" spc="-1" strike="noStrike">
               <a:latin typeface="Arial"/>
             </a:endParaRPr>
           </a:p>
@@ -1462,7 +1462,7 @@
         <p:spPr>
           <a:xfrm>
             <a:off x="8714160" y="4897080"/>
-            <a:ext cx="187200" cy="187200"/>
+            <a:ext cx="186840" cy="186840"/>
           </a:xfrm>
           <a:prstGeom prst="ellipse">
             <a:avLst/>
@@ -1498,8 +1498,8 @@
                 <a:spcPct val="100000"/>
               </a:lnSpc>
             </a:pPr>
-            <a:fld id="{8AAEBE4E-5883-43EB-B4DF-3BE4757FE77F}" type="slidenum">
-              <a:rPr b="0" lang="de-DE" sz="680" spc="-1" strike="noStrike">
+            <a:fld id="{B1A88CDA-3EC6-4760-9E59-F2586772F0A6}" type="slidenum">
+              <a:rPr b="0" lang="en-US" sz="680" spc="-1" strike="noStrike">
                 <a:solidFill>
                   <a:srgbClr val="02d35f"/>
                 </a:solidFill>
@@ -1508,7 +1508,223 @@
               </a:rPr>
               <a:t>&lt;number&gt;</a:t>
             </a:fld>
-            <a:endParaRPr b="0" lang="de-DE" sz="680" spc="-1" strike="noStrike">
+            <a:endParaRPr b="0" lang="en-US" sz="680" spc="-1" strike="noStrike">
+              <a:latin typeface="Arial"/>
+            </a:endParaRPr>
+          </a:p>
+        </p:txBody>
+      </p:sp>
+      <p:sp>
+        <p:nvSpPr>
+          <p:cNvPr id="2" name="PlaceHolder 3"/>
+          <p:cNvSpPr>
+            <a:spLocks noGrp="1"/>
+          </p:cNvSpPr>
+          <p:nvPr>
+            <p:ph type="title"/>
+          </p:nvPr>
+        </p:nvSpPr>
+        <p:spPr>
+          <a:xfrm>
+            <a:off x="457200" y="205200"/>
+            <a:ext cx="8229240" cy="858600"/>
+          </a:xfrm>
+          <a:prstGeom prst="rect">
+            <a:avLst/>
+          </a:prstGeom>
+        </p:spPr>
+        <p:txBody>
+          <a:bodyPr lIns="0" rIns="0" tIns="0" bIns="0" anchor="ctr">
+            <a:noAutofit/>
+          </a:bodyPr>
+          <a:p>
+            <a:pPr algn="ctr"/>
+            <a:r>
+              <a:rPr b="0" lang="en-US" sz="4400" spc="-1" strike="noStrike">
+                <a:latin typeface="Arial"/>
+              </a:rPr>
+              <a:t>Click to edit the title text format</a:t>
+            </a:r>
+            <a:endParaRPr b="0" lang="en-US" sz="4400" spc="-1" strike="noStrike">
+              <a:latin typeface="Arial"/>
+            </a:endParaRPr>
+          </a:p>
+        </p:txBody>
+      </p:sp>
+      <p:sp>
+        <p:nvSpPr>
+          <p:cNvPr id="3" name="PlaceHolder 4"/>
+          <p:cNvSpPr>
+            <a:spLocks noGrp="1"/>
+          </p:cNvSpPr>
+          <p:nvPr>
+            <p:ph type="body"/>
+          </p:nvPr>
+        </p:nvSpPr>
+        <p:spPr>
+          <a:xfrm>
+            <a:off x="457200" y="1203480"/>
+            <a:ext cx="8229240" cy="2982960"/>
+          </a:xfrm>
+          <a:prstGeom prst="rect">
+            <a:avLst/>
+          </a:prstGeom>
+        </p:spPr>
+        <p:txBody>
+          <a:bodyPr lIns="0" rIns="0" tIns="0" bIns="0">
+            <a:normAutofit/>
+          </a:bodyPr>
+          <a:p>
+            <a:pPr marL="432000" indent="-324000">
+              <a:spcBef>
+                <a:spcPts val="1417"/>
+              </a:spcBef>
+              <a:buClr>
+                <a:srgbClr val="000000"/>
+              </a:buClr>
+              <a:buSzPct val="45000"/>
+              <a:buFont typeface="Wingdings" charset="2"/>
+              <a:buChar char=""/>
+            </a:pPr>
+            <a:r>
+              <a:rPr b="0" lang="en-US" sz="3200" spc="-1" strike="noStrike">
+                <a:latin typeface="Arial"/>
+              </a:rPr>
+              <a:t>Click to edit the outline text format</a:t>
+            </a:r>
+            <a:endParaRPr b="0" lang="en-US" sz="3200" spc="-1" strike="noStrike">
+              <a:latin typeface="Arial"/>
+            </a:endParaRPr>
+          </a:p>
+          <a:p>
+            <a:pPr lvl="1" marL="864000" indent="-324000">
+              <a:spcBef>
+                <a:spcPts val="1134"/>
+              </a:spcBef>
+              <a:buClr>
+                <a:srgbClr val="000000"/>
+              </a:buClr>
+              <a:buSzPct val="75000"/>
+              <a:buFont typeface="Symbol" charset="2"/>
+              <a:buChar char=""/>
+            </a:pPr>
+            <a:r>
+              <a:rPr b="0" lang="en-US" sz="2800" spc="-1" strike="noStrike">
+                <a:latin typeface="Arial"/>
+              </a:rPr>
+              <a:t>Second Outline Level</a:t>
+            </a:r>
+            <a:endParaRPr b="0" lang="en-US" sz="2800" spc="-1" strike="noStrike">
+              <a:latin typeface="Arial"/>
+            </a:endParaRPr>
+          </a:p>
+          <a:p>
+            <a:pPr lvl="2" marL="1296000" indent="-288000">
+              <a:spcBef>
+                <a:spcPts val="850"/>
+              </a:spcBef>
+              <a:buClr>
+                <a:srgbClr val="000000"/>
+              </a:buClr>
+              <a:buSzPct val="45000"/>
+              <a:buFont typeface="Wingdings" charset="2"/>
+              <a:buChar char=""/>
+            </a:pPr>
+            <a:r>
+              <a:rPr b="0" lang="en-US" sz="2400" spc="-1" strike="noStrike">
+                <a:latin typeface="Arial"/>
+              </a:rPr>
+              <a:t>Third Outline Level</a:t>
+            </a:r>
+            <a:endParaRPr b="0" lang="en-US" sz="2400" spc="-1" strike="noStrike">
+              <a:latin typeface="Arial"/>
+            </a:endParaRPr>
+          </a:p>
+          <a:p>
+            <a:pPr lvl="3" marL="1728000" indent="-216000">
+              <a:spcBef>
+                <a:spcPts val="567"/>
+              </a:spcBef>
+              <a:buClr>
+                <a:srgbClr val="000000"/>
+              </a:buClr>
+              <a:buSzPct val="75000"/>
+              <a:buFont typeface="Symbol" charset="2"/>
+              <a:buChar char=""/>
+            </a:pPr>
+            <a:r>
+              <a:rPr b="0" lang="en-US" sz="2000" spc="-1" strike="noStrike">
+                <a:latin typeface="Arial"/>
+              </a:rPr>
+              <a:t>Fourth Outline Level</a:t>
+            </a:r>
+            <a:endParaRPr b="0" lang="en-US" sz="2000" spc="-1" strike="noStrike">
+              <a:latin typeface="Arial"/>
+            </a:endParaRPr>
+          </a:p>
+          <a:p>
+            <a:pPr lvl="4" marL="2160000" indent="-216000">
+              <a:spcBef>
+                <a:spcPts val="283"/>
+              </a:spcBef>
+              <a:buClr>
+                <a:srgbClr val="000000"/>
+              </a:buClr>
+              <a:buSzPct val="45000"/>
+              <a:buFont typeface="Wingdings" charset="2"/>
+              <a:buChar char=""/>
+            </a:pPr>
+            <a:r>
+              <a:rPr b="0" lang="en-US" sz="2000" spc="-1" strike="noStrike">
+                <a:latin typeface="Arial"/>
+              </a:rPr>
+              <a:t>Fifth Outline Level</a:t>
+            </a:r>
+            <a:endParaRPr b="0" lang="en-US" sz="2000" spc="-1" strike="noStrike">
+              <a:latin typeface="Arial"/>
+            </a:endParaRPr>
+          </a:p>
+          <a:p>
+            <a:pPr lvl="5" marL="2592000" indent="-216000">
+              <a:spcBef>
+                <a:spcPts val="283"/>
+              </a:spcBef>
+              <a:buClr>
+                <a:srgbClr val="000000"/>
+              </a:buClr>
+              <a:buSzPct val="45000"/>
+              <a:buFont typeface="Wingdings" charset="2"/>
+              <a:buChar char=""/>
+            </a:pPr>
+            <a:r>
+              <a:rPr b="0" lang="en-US" sz="2000" spc="-1" strike="noStrike">
+                <a:latin typeface="Arial"/>
+              </a:rPr>
+              <a:t>Sixth Outline Level</a:t>
+            </a:r>
+            <a:endParaRPr b="0" lang="en-US" sz="2000" spc="-1" strike="noStrike">
+              <a:latin typeface="Arial"/>
+            </a:endParaRPr>
+          </a:p>
+          <a:p>
+            <a:pPr lvl="6" marL="3024000" indent="-216000">
+              <a:spcBef>
+                <a:spcPts val="283"/>
+              </a:spcBef>
+              <a:buClr>
+                <a:srgbClr val="000000"/>
+              </a:buClr>
+              <a:buSzPct val="45000"/>
+              <a:buFont typeface="Wingdings" charset="2"/>
+              <a:buChar char=""/>
+            </a:pPr>
+            <a:r>
+              <a:rPr b="0" lang="en-US" sz="2000" spc="-1" strike="noStrike">
+                <a:latin typeface="Arial"/>
+              </a:rPr>
+              <a:t>Seventh Outline Level</a:t>
+            </a:r>
+            <a:endParaRPr b="0" lang="en-US" sz="2000" spc="-1" strike="noStrike">
               <a:latin typeface="Arial"/>
             </a:endParaRPr>
           </a:p>
@@ -1553,14 +1769,14 @@
       </p:grpSpPr>
       <p:sp>
         <p:nvSpPr>
-          <p:cNvPr id="38" name="CustomShape 1"/>
+          <p:cNvPr id="40" name="CustomShape 1"/>
           <p:cNvSpPr/>
           <p:nvPr/>
         </p:nvSpPr>
         <p:spPr>
           <a:xfrm>
             <a:off x="874800" y="343080"/>
-            <a:ext cx="7961400" cy="581040"/>
+            <a:ext cx="7961040" cy="580680"/>
           </a:xfrm>
           <a:prstGeom prst="rect">
             <a:avLst/>
@@ -1579,14 +1795,14 @@
       </p:sp>
       <p:sp>
         <p:nvSpPr>
-          <p:cNvPr id="39" name="CustomShape 2"/>
+          <p:cNvPr id="41" name="CustomShape 2"/>
           <p:cNvSpPr/>
           <p:nvPr/>
         </p:nvSpPr>
         <p:spPr>
           <a:xfrm>
             <a:off x="874800" y="1381680"/>
-            <a:ext cx="3892320" cy="3278520"/>
+            <a:ext cx="3891960" cy="3278160"/>
           </a:xfrm>
           <a:prstGeom prst="rect">
             <a:avLst/>
@@ -1605,14 +1821,14 @@
       </p:sp>
       <p:sp>
         <p:nvSpPr>
-          <p:cNvPr id="40" name="CustomShape 3"/>
+          <p:cNvPr id="42" name="CustomShape 3"/>
           <p:cNvSpPr/>
           <p:nvPr/>
         </p:nvSpPr>
         <p:spPr>
           <a:xfrm>
             <a:off x="874800" y="990360"/>
-            <a:ext cx="3892320" cy="324000"/>
+            <a:ext cx="3891960" cy="323640"/>
           </a:xfrm>
           <a:prstGeom prst="rect">
             <a:avLst/>
@@ -1631,14 +1847,14 @@
       </p:sp>
       <p:sp>
         <p:nvSpPr>
-          <p:cNvPr id="41" name="CustomShape 4"/>
+          <p:cNvPr id="43" name="CustomShape 4"/>
           <p:cNvSpPr/>
           <p:nvPr/>
         </p:nvSpPr>
         <p:spPr>
           <a:xfrm>
             <a:off x="4943520" y="1382400"/>
-            <a:ext cx="3895920" cy="3278520"/>
+            <a:ext cx="3895560" cy="3278160"/>
           </a:xfrm>
           <a:prstGeom prst="rect">
             <a:avLst/>
@@ -1657,14 +1873,14 @@
       </p:sp>
       <p:sp>
         <p:nvSpPr>
-          <p:cNvPr id="42" name="CustomShape 5"/>
+          <p:cNvPr id="44" name="CustomShape 5"/>
           <p:cNvSpPr/>
           <p:nvPr/>
         </p:nvSpPr>
         <p:spPr>
           <a:xfrm>
             <a:off x="4943520" y="990360"/>
-            <a:ext cx="3895920" cy="324000"/>
+            <a:ext cx="3895560" cy="323640"/>
           </a:xfrm>
           <a:prstGeom prst="rect">
             <a:avLst/>
@@ -1683,14 +1899,14 @@
       </p:sp>
       <p:sp>
         <p:nvSpPr>
-          <p:cNvPr id="43" name="CustomShape 6"/>
+          <p:cNvPr id="45" name="CustomShape 6"/>
           <p:cNvSpPr/>
           <p:nvPr/>
         </p:nvSpPr>
         <p:spPr>
           <a:xfrm>
             <a:off x="874800" y="343080"/>
-            <a:ext cx="7961400" cy="581040"/>
+            <a:ext cx="7961040" cy="580680"/>
           </a:xfrm>
           <a:prstGeom prst="rect">
             <a:avLst/>
@@ -1717,7 +1933,7 @@
               </a:lnSpc>
             </a:pPr>
             <a:r>
-              <a:rPr b="1" lang="de-DE" sz="2800" spc="-1" strike="noStrike">
+              <a:rPr b="1" lang="en-US" sz="2800" spc="-1" strike="noStrike">
                 <a:solidFill>
                   <a:srgbClr val="003259"/>
                 </a:solidFill>
@@ -1726,22 +1942,22 @@
               </a:rPr>
               <a:t>Quellen</a:t>
             </a:r>
-            <a:endParaRPr b="0" lang="de-DE" sz="2800" spc="-1" strike="noStrike">
-              <a:latin typeface="Arial"/>
-            </a:endParaRPr>
-          </a:p>
-        </p:txBody>
-      </p:sp>
-      <p:sp>
-        <p:nvSpPr>
-          <p:cNvPr id="44" name="CustomShape 7"/>
+            <a:endParaRPr b="0" lang="en-US" sz="2800" spc="-1" strike="noStrike">
+              <a:latin typeface="Arial"/>
+            </a:endParaRPr>
+          </a:p>
+        </p:txBody>
+      </p:sp>
+      <p:sp>
+        <p:nvSpPr>
+          <p:cNvPr id="46" name="CustomShape 7"/>
           <p:cNvSpPr/>
           <p:nvPr/>
         </p:nvSpPr>
         <p:spPr>
           <a:xfrm>
             <a:off x="822960" y="1188720"/>
-            <a:ext cx="7129800" cy="1879560"/>
+            <a:ext cx="7129440" cy="3471120"/>
           </a:xfrm>
           <a:prstGeom prst="rect">
             <a:avLst/>
@@ -1768,7 +1984,7 @@
               </a:lnSpc>
             </a:pPr>
             <a:r>
-              <a:rPr b="0" lang="de-DE" sz="1800" spc="-1" strike="noStrike">
+              <a:rPr b="0" lang="en-US" sz="1800" spc="-1" strike="noStrike">
                 <a:solidFill>
                   <a:srgbClr val="000000"/>
                 </a:solidFill>
@@ -1777,7 +1993,7 @@
               </a:rPr>
               <a:t>- https://www.gesetze-im-internet.de/hgb</a:t>
             </a:r>
-            <a:endParaRPr b="0" lang="de-DE" sz="1800" spc="-1" strike="noStrike">
+            <a:endParaRPr b="0" lang="en-US" sz="1800" spc="-1" strike="noStrike">
               <a:latin typeface="Arial"/>
             </a:endParaRPr>
           </a:p>
@@ -1788,7 +2004,7 @@
               </a:lnSpc>
             </a:pPr>
             <a:r>
-              <a:rPr b="0" lang="de-DE" sz="1800" spc="-1" strike="noStrike">
+              <a:rPr b="0" lang="en-US" sz="1800" spc="-1" strike="noStrike">
                 <a:solidFill>
                   <a:srgbClr val="000000"/>
                 </a:solidFill>
@@ -1798,7 +2014,7 @@
               <a:t>- </a:t>
             </a:r>
             <a:r>
-              <a:rPr b="0" lang="de-DE" sz="1800" spc="-1" strike="noStrike" u="sng">
+              <a:rPr b="0" lang="en-US" sz="1800" spc="-1" strike="noStrike" u="sng">
                 <a:solidFill>
                   <a:srgbClr val="1aa39a"/>
                 </a:solidFill>
@@ -1810,7 +2026,7 @@
               <a:t>https://de.wikipedia.org/wiki/Kommanditgesellschaft_(Deutschland</a:t>
             </a:r>
             <a:r>
-              <a:rPr b="0" lang="de-DE" sz="1800" spc="-1" strike="noStrike">
+              <a:rPr b="0" lang="en-US" sz="1800" spc="-1" strike="noStrike">
                 <a:solidFill>
                   <a:srgbClr val="000000"/>
                 </a:solidFill>
@@ -1819,7 +2035,7 @@
               </a:rPr>
               <a:t>)</a:t>
             </a:r>
-            <a:endParaRPr b="0" lang="de-DE" sz="1800" spc="-1" strike="noStrike">
+            <a:endParaRPr b="0" lang="en-US" sz="1800" spc="-1" strike="noStrike">
               <a:latin typeface="Arial"/>
             </a:endParaRPr>
           </a:p>
@@ -1830,7 +2046,7 @@
               </a:lnSpc>
             </a:pPr>
             <a:r>
-              <a:rPr b="0" lang="de-DE" sz="1800" spc="-1" strike="noStrike">
+              <a:rPr b="0" lang="en-US" sz="1800" spc="-1" strike="noStrike">
                 <a:solidFill>
                   <a:srgbClr val="000000"/>
                 </a:solidFill>
@@ -1840,7 +2056,7 @@
               <a:t>- </a:t>
             </a:r>
             <a:r>
-              <a:rPr b="0" lang="de-DE" sz="1800" spc="-1" strike="noStrike" u="sng">
+              <a:rPr b="0" lang="en-US" sz="1800" spc="-1" strike="noStrike" u="sng">
                 <a:solidFill>
                   <a:srgbClr val="1aa39a"/>
                 </a:solidFill>
@@ -1851,7 +2067,7 @@
               </a:rPr>
               <a:t>https://www.gmbh-guide.de/kg-haftung-und-vorteile.html</a:t>
             </a:r>
-            <a:endParaRPr b="0" lang="de-DE" sz="1800" spc="-1" strike="noStrike">
+            <a:endParaRPr b="0" lang="en-US" sz="1800" spc="-1" strike="noStrike">
               <a:latin typeface="Arial"/>
             </a:endParaRPr>
           </a:p>
@@ -1862,16 +2078,27 @@
               </a:lnSpc>
             </a:pPr>
             <a:r>
-              <a:rPr b="0" lang="de-DE" sz="1800" spc="-1" strike="noStrike">
+              <a:rPr b="0" lang="en-US" sz="1800" spc="-1" strike="noStrike">
                 <a:solidFill>
                   <a:srgbClr val="000000"/>
                 </a:solidFill>
                 <a:latin typeface="Arial"/>
                 <a:ea typeface="DejaVu Sans"/>
               </a:rPr>
-              <a:t>- https://de.wikipedia.org/wiki/Hoyer_Unternehmensgruppe</a:t>
+              <a:t>- </a:t>
             </a:r>
-            <a:endParaRPr b="0" lang="de-DE" sz="1800" spc="-1" strike="noStrike">
+            <a:r>
+              <a:rPr b="0" lang="en-US" sz="1800" spc="-1" strike="noStrike">
+                <a:solidFill>
+                  <a:srgbClr val="000000"/>
+                </a:solidFill>
+                <a:latin typeface="Arial"/>
+                <a:ea typeface="DejaVu Sans"/>
+                <a:hlinkClick r:id="rId3"/>
+              </a:rPr>
+              <a:t>https://de.wikipedia.org/wiki/Hoyer_Unternehmensgruppe</a:t>
+            </a:r>
+            <a:endParaRPr b="0" lang="en-US" sz="1800" spc="-1" strike="noStrike">
               <a:latin typeface="Arial"/>
             </a:endParaRPr>
           </a:p>
@@ -1881,7 +2108,28 @@
                 <a:spcPct val="100000"/>
               </a:lnSpc>
             </a:pPr>
-            <a:endParaRPr b="0" lang="de-DE" sz="1800" spc="-1" strike="noStrike">
+            <a:r>
+              <a:rPr b="0" lang="en-US" sz="1800" spc="-1" strike="noStrike">
+                <a:solidFill>
+                  <a:srgbClr val="000000"/>
+                </a:solidFill>
+                <a:latin typeface="Arial"/>
+                <a:ea typeface="DejaVu Sans"/>
+              </a:rPr>
+              <a:t>- </a:t>
+            </a:r>
+            <a:r>
+              <a:rPr b="0" lang="en-US" sz="1800" spc="-1" strike="noStrike">
+                <a:solidFill>
+                  <a:srgbClr val="000000"/>
+                </a:solidFill>
+                <a:latin typeface="Arial"/>
+                <a:ea typeface="DejaVu Sans"/>
+                <a:hlinkClick r:id="rId4"/>
+              </a:rPr>
+              <a:t>https://www.gevestor.de/details/kommanditgesellschaft-grundung-eines-flexiblen-unternehmens-644156.html</a:t>
+            </a:r>
+            <a:endParaRPr b="0" lang="en-US" sz="1800" spc="-1" strike="noStrike">
               <a:latin typeface="Arial"/>
             </a:endParaRPr>
           </a:p>
@@ -1891,7 +2139,17 @@
                 <a:spcPct val="100000"/>
               </a:lnSpc>
             </a:pPr>
-            <a:endParaRPr b="0" lang="de-DE" sz="1800" spc="-1" strike="noStrike">
+            <a:r>
+              <a:rPr b="0" lang="en-US" sz="1800" spc="-1" strike="noStrike">
+                <a:solidFill>
+                  <a:srgbClr val="000000"/>
+                </a:solidFill>
+                <a:latin typeface="Arial"/>
+                <a:ea typeface="DejaVu Sans"/>
+              </a:rPr>
+              <a:t>- https://wirtschaftslexikon.gabler.de/definition/kommanditgesellschaft-kg-40085</a:t>
+            </a:r>
+            <a:endParaRPr b="0" lang="en-US" sz="1800" spc="-1" strike="noStrike">
               <a:latin typeface="Arial"/>
             </a:endParaRPr>
           </a:p>
@@ -1901,7 +2159,17 @@
                 <a:spcPct val="100000"/>
               </a:lnSpc>
             </a:pPr>
-            <a:endParaRPr b="0" lang="de-DE" sz="1800" spc="-1" strike="noStrike">
+            <a:r>
+              <a:rPr b="0" lang="en-US" sz="1800" spc="-1" strike="noStrike">
+                <a:solidFill>
+                  <a:srgbClr val="000000"/>
+                </a:solidFill>
+                <a:latin typeface="Arial"/>
+                <a:ea typeface="DejaVu Sans"/>
+              </a:rPr>
+              <a:t>- http://www.payer.de/arbeitkapital/arbeitkapital0301.htm#2.3.2.</a:t>
+            </a:r>
+            <a:endParaRPr b="0" lang="en-US" sz="1800" spc="-1" strike="noStrike">
               <a:latin typeface="Arial"/>
             </a:endParaRPr>
           </a:p>
@@ -1911,8 +2179,58 @@
                 <a:spcPct val="100000"/>
               </a:lnSpc>
             </a:pPr>
+            <a:endParaRPr b="0" lang="en-US" sz="1800" spc="-1" strike="noStrike">
+              <a:latin typeface="Arial"/>
+            </a:endParaRPr>
+          </a:p>
+          <a:p>
+            <a:pPr>
+              <a:lnSpc>
+                <a:spcPct val="100000"/>
+              </a:lnSpc>
+            </a:pPr>
+            <a:endParaRPr b="0" lang="en-US" sz="1800" spc="-1" strike="noStrike">
+              <a:latin typeface="Arial"/>
+            </a:endParaRPr>
+          </a:p>
+          <a:p>
+            <a:pPr>
+              <a:lnSpc>
+                <a:spcPct val="100000"/>
+              </a:lnSpc>
+            </a:pPr>
+            <a:endParaRPr b="0" lang="en-US" sz="1800" spc="-1" strike="noStrike">
+              <a:latin typeface="Arial"/>
+            </a:endParaRPr>
+          </a:p>
+          <a:p>
+            <a:pPr>
+              <a:lnSpc>
+                <a:spcPct val="100000"/>
+              </a:lnSpc>
+            </a:pPr>
+            <a:endParaRPr b="0" lang="en-US" sz="1800" spc="-1" strike="noStrike">
+              <a:latin typeface="Arial"/>
+            </a:endParaRPr>
+          </a:p>
+          <a:p>
+            <a:pPr>
+              <a:lnSpc>
+                <a:spcPct val="100000"/>
+              </a:lnSpc>
+            </a:pPr>
+            <a:endParaRPr b="0" lang="en-US" sz="1800" spc="-1" strike="noStrike">
+              <a:latin typeface="Arial"/>
+            </a:endParaRPr>
+          </a:p>
+          <a:p>
+            <a:pPr>
+              <a:lnSpc>
+                <a:spcPct val="100000"/>
+              </a:lnSpc>
+            </a:pPr>
             <a:r>
-              <a:rPr b="0" lang="de-DE" sz="1800" spc="-1" strike="noStrike">
+              <a:rPr b="0" lang="en-US" sz="1800" spc="-1" strike="noStrike">
                 <a:solidFill>
                   <a:srgbClr val="000000"/>
                 </a:solidFill>
@@ -1921,7 +2239,7 @@
               </a:rPr>
               <a:t>          </a:t>
             </a:r>
-            <a:endParaRPr b="0" lang="de-DE" sz="1800" spc="-1" strike="noStrike">
+            <a:endParaRPr b="0" lang="en-US" sz="1800" spc="-1" strike="noStrike">
               <a:latin typeface="Arial"/>
             </a:endParaRPr>
           </a:p>
@@ -1932,7 +2250,7 @@
               </a:lnSpc>
             </a:pPr>
             <a:r>
-              <a:rPr b="0" lang="de-DE" sz="1800" spc="-1" strike="noStrike">
+              <a:rPr b="0" lang="en-US" sz="1800" spc="-1" strike="noStrike">
                 <a:solidFill>
                   <a:srgbClr val="000000"/>
                 </a:solidFill>
@@ -1942,7 +2260,7 @@
               <a:t>	</a:t>
             </a:r>
             <a:r>
-              <a:rPr b="0" lang="de-DE" sz="1800" spc="-1" strike="noStrike">
+              <a:rPr b="0" lang="en-US" sz="1800" spc="-1" strike="noStrike">
                 <a:solidFill>
                   <a:srgbClr val="000000"/>
                 </a:solidFill>
@@ -1951,7 +2269,7 @@
               </a:rPr>
               <a:t>    </a:t>
             </a:r>
-            <a:endParaRPr b="0" lang="de-DE" sz="1800" spc="-1" strike="noStrike">
+            <a:endParaRPr b="0" lang="en-US" sz="1800" spc="-1" strike="noStrike">
               <a:latin typeface="Arial"/>
             </a:endParaRPr>
           </a:p>
@@ -1961,7 +2279,7 @@
                 <a:spcPct val="100000"/>
               </a:lnSpc>
             </a:pPr>
-            <a:endParaRPr b="0" lang="de-DE" sz="1800" spc="-1" strike="noStrike">
+            <a:endParaRPr b="0" lang="en-US" sz="1800" spc="-1" strike="noStrike">
               <a:latin typeface="Arial"/>
             </a:endParaRPr>
           </a:p>
@@ -1971,7 +2289,7 @@
                 <a:spcPct val="100000"/>
               </a:lnSpc>
             </a:pPr>
-            <a:endParaRPr b="0" lang="de-DE" sz="1800" spc="-1" strike="noStrike">
+            <a:endParaRPr b="0" lang="en-US" sz="1800" spc="-1" strike="noStrike">
               <a:latin typeface="Arial"/>
             </a:endParaRPr>
           </a:p>
@@ -1981,7 +2299,7 @@
                 <a:spcPct val="100000"/>
               </a:lnSpc>
             </a:pPr>
-            <a:endParaRPr b="0" lang="de-DE" sz="1800" spc="-1" strike="noStrike">
+            <a:endParaRPr b="0" lang="en-US" sz="1800" spc="-1" strike="noStrike">
               <a:latin typeface="Arial"/>
             </a:endParaRPr>
           </a:p>
@@ -1991,7 +2309,7 @@
                 <a:spcPct val="100000"/>
               </a:lnSpc>
             </a:pPr>
-            <a:endParaRPr b="0" lang="de-DE" sz="1800" spc="-1" strike="noStrike">
+            <a:endParaRPr b="0" lang="en-US" sz="1800" spc="-1" strike="noStrike">
               <a:latin typeface="Arial"/>
             </a:endParaRPr>
           </a:p>
@@ -2124,21 +2442,18 @@
             </a:schemeClr>
           </a:solidFill>
           <a:prstDash val="solid"/>
-          <a:miter/>
         </a:ln>
         <a:ln w="25400" cap="flat" cmpd="sng" algn="ctr">
           <a:solidFill>
             <a:schemeClr val="phClr"/>
           </a:solidFill>
           <a:prstDash val="solid"/>
-          <a:miter/>
         </a:ln>
         <a:ln w="38100" cap="flat" cmpd="sng" algn="ctr">
           <a:solidFill>
             <a:schemeClr val="phClr"/>
           </a:solidFill>
           <a:prstDash val="solid"/>
-          <a:miter/>
         </a:ln>
       </a:lnStyleLst>
       <a:effectStyleLst>

--- a/Referat_BWP_KG_Quellen.pptx
+++ b/Referat_BWP_KG_Quellen.pptx
@@ -8,7 +8,7 @@
     <p:sldId id="256" r:id="rId3"/>
   </p:sldIdLst>
   <p:sldSz cx="9144000" cy="5143500"/>
-  <p:notesSz cx="7772400" cy="10058400"/>
+  <p:notesSz cx="7559675" cy="10691812"/>
 </p:presentation>
 </file>
 
@@ -53,7 +53,7 @@
       </p:grpSpPr>
       <p:sp>
         <p:nvSpPr>
-          <p:cNvPr id="25" name="PlaceHolder 1"/>
+          <p:cNvPr id="23" name="PlaceHolder 1"/>
           <p:cNvSpPr>
             <a:spLocks noGrp="1"/>
           </p:cNvSpPr>
@@ -72,19 +72,19 @@
         </p:spPr>
         <p:txBody>
           <a:bodyPr lIns="0" rIns="0" tIns="0" bIns="0" anchor="ctr">
-            <a:spAutoFit/>
+            <a:noAutofit/>
           </a:bodyPr>
           <a:p>
             <a:pPr algn="ctr"/>
-            <a:endParaRPr b="0" lang="en-US" sz="4400" spc="-1" strike="noStrike">
-              <a:latin typeface="Arial"/>
-            </a:endParaRPr>
-          </a:p>
-        </p:txBody>
-      </p:sp>
-      <p:sp>
-        <p:nvSpPr>
-          <p:cNvPr id="26" name="PlaceHolder 2"/>
+            <a:endParaRPr b="0" lang="de-DE" sz="4400" spc="-1" strike="noStrike">
+              <a:latin typeface="Arial"/>
+            </a:endParaRPr>
+          </a:p>
+        </p:txBody>
+      </p:sp>
+      <p:sp>
+        <p:nvSpPr>
+          <p:cNvPr id="24" name="PlaceHolder 2"/>
           <p:cNvSpPr>
             <a:spLocks noGrp="1"/>
           </p:cNvSpPr>
@@ -106,15 +106,15 @@
             <a:normAutofit/>
           </a:bodyPr>
           <a:p>
-            <a:endParaRPr b="0" lang="en-US" sz="3200" spc="-1" strike="noStrike">
-              <a:latin typeface="Arial"/>
-            </a:endParaRPr>
-          </a:p>
-        </p:txBody>
-      </p:sp>
-      <p:sp>
-        <p:nvSpPr>
-          <p:cNvPr id="27" name="PlaceHolder 3"/>
+            <a:endParaRPr b="0" lang="de-DE" sz="3200" spc="-1" strike="noStrike">
+              <a:latin typeface="Arial"/>
+            </a:endParaRPr>
+          </a:p>
+        </p:txBody>
+      </p:sp>
+      <p:sp>
+        <p:nvSpPr>
+          <p:cNvPr id="25" name="PlaceHolder 3"/>
           <p:cNvSpPr>
             <a:spLocks noGrp="1"/>
           </p:cNvSpPr>
@@ -136,7 +136,7 @@
             <a:normAutofit/>
           </a:bodyPr>
           <a:p>
-            <a:endParaRPr b="0" lang="en-US" sz="3200" spc="-1" strike="noStrike">
+            <a:endParaRPr b="0" lang="de-DE" sz="3200" spc="-1" strike="noStrike">
               <a:latin typeface="Arial"/>
             </a:endParaRPr>
           </a:p>
@@ -166,7 +166,7 @@
       </p:grpSpPr>
       <p:sp>
         <p:nvSpPr>
-          <p:cNvPr id="28" name="PlaceHolder 1"/>
+          <p:cNvPr id="26" name="PlaceHolder 1"/>
           <p:cNvSpPr>
             <a:spLocks noGrp="1"/>
           </p:cNvSpPr>
@@ -185,19 +185,19 @@
         </p:spPr>
         <p:txBody>
           <a:bodyPr lIns="0" rIns="0" tIns="0" bIns="0" anchor="ctr">
-            <a:spAutoFit/>
+            <a:noAutofit/>
           </a:bodyPr>
           <a:p>
             <a:pPr algn="ctr"/>
-            <a:endParaRPr b="0" lang="en-US" sz="4400" spc="-1" strike="noStrike">
-              <a:latin typeface="Arial"/>
-            </a:endParaRPr>
-          </a:p>
-        </p:txBody>
-      </p:sp>
-      <p:sp>
-        <p:nvSpPr>
-          <p:cNvPr id="29" name="PlaceHolder 2"/>
+            <a:endParaRPr b="0" lang="de-DE" sz="4400" spc="-1" strike="noStrike">
+              <a:latin typeface="Arial"/>
+            </a:endParaRPr>
+          </a:p>
+        </p:txBody>
+      </p:sp>
+      <p:sp>
+        <p:nvSpPr>
+          <p:cNvPr id="27" name="PlaceHolder 2"/>
           <p:cNvSpPr>
             <a:spLocks noGrp="1"/>
           </p:cNvSpPr>
@@ -219,15 +219,15 @@
             <a:normAutofit/>
           </a:bodyPr>
           <a:p>
-            <a:endParaRPr b="0" lang="en-US" sz="3200" spc="-1" strike="noStrike">
-              <a:latin typeface="Arial"/>
-            </a:endParaRPr>
-          </a:p>
-        </p:txBody>
-      </p:sp>
-      <p:sp>
-        <p:nvSpPr>
-          <p:cNvPr id="30" name="PlaceHolder 3"/>
+            <a:endParaRPr b="0" lang="de-DE" sz="3200" spc="-1" strike="noStrike">
+              <a:latin typeface="Arial"/>
+            </a:endParaRPr>
+          </a:p>
+        </p:txBody>
+      </p:sp>
+      <p:sp>
+        <p:nvSpPr>
+          <p:cNvPr id="28" name="PlaceHolder 3"/>
           <p:cNvSpPr>
             <a:spLocks noGrp="1"/>
           </p:cNvSpPr>
@@ -249,15 +249,15 @@
             <a:normAutofit/>
           </a:bodyPr>
           <a:p>
-            <a:endParaRPr b="0" lang="en-US" sz="3200" spc="-1" strike="noStrike">
-              <a:latin typeface="Arial"/>
-            </a:endParaRPr>
-          </a:p>
-        </p:txBody>
-      </p:sp>
-      <p:sp>
-        <p:nvSpPr>
-          <p:cNvPr id="31" name="PlaceHolder 4"/>
+            <a:endParaRPr b="0" lang="de-DE" sz="3200" spc="-1" strike="noStrike">
+              <a:latin typeface="Arial"/>
+            </a:endParaRPr>
+          </a:p>
+        </p:txBody>
+      </p:sp>
+      <p:sp>
+        <p:nvSpPr>
+          <p:cNvPr id="29" name="PlaceHolder 4"/>
           <p:cNvSpPr>
             <a:spLocks noGrp="1"/>
           </p:cNvSpPr>
@@ -279,15 +279,15 @@
             <a:normAutofit/>
           </a:bodyPr>
           <a:p>
-            <a:endParaRPr b="0" lang="en-US" sz="3200" spc="-1" strike="noStrike">
-              <a:latin typeface="Arial"/>
-            </a:endParaRPr>
-          </a:p>
-        </p:txBody>
-      </p:sp>
-      <p:sp>
-        <p:nvSpPr>
-          <p:cNvPr id="32" name="PlaceHolder 5"/>
+            <a:endParaRPr b="0" lang="de-DE" sz="3200" spc="-1" strike="noStrike">
+              <a:latin typeface="Arial"/>
+            </a:endParaRPr>
+          </a:p>
+        </p:txBody>
+      </p:sp>
+      <p:sp>
+        <p:nvSpPr>
+          <p:cNvPr id="30" name="PlaceHolder 5"/>
           <p:cNvSpPr>
             <a:spLocks noGrp="1"/>
           </p:cNvSpPr>
@@ -309,7 +309,7 @@
             <a:normAutofit/>
           </a:bodyPr>
           <a:p>
-            <a:endParaRPr b="0" lang="en-US" sz="3200" spc="-1" strike="noStrike">
+            <a:endParaRPr b="0" lang="de-DE" sz="3200" spc="-1" strike="noStrike">
               <a:latin typeface="Arial"/>
             </a:endParaRPr>
           </a:p>
@@ -339,7 +339,7 @@
       </p:grpSpPr>
       <p:sp>
         <p:nvSpPr>
-          <p:cNvPr id="33" name="PlaceHolder 1"/>
+          <p:cNvPr id="31" name="PlaceHolder 1"/>
           <p:cNvSpPr>
             <a:spLocks noGrp="1"/>
           </p:cNvSpPr>
@@ -358,19 +358,19 @@
         </p:spPr>
         <p:txBody>
           <a:bodyPr lIns="0" rIns="0" tIns="0" bIns="0" anchor="ctr">
-            <a:spAutoFit/>
+            <a:noAutofit/>
           </a:bodyPr>
           <a:p>
             <a:pPr algn="ctr"/>
-            <a:endParaRPr b="0" lang="en-US" sz="4400" spc="-1" strike="noStrike">
-              <a:latin typeface="Arial"/>
-            </a:endParaRPr>
-          </a:p>
-        </p:txBody>
-      </p:sp>
-      <p:sp>
-        <p:nvSpPr>
-          <p:cNvPr id="34" name="PlaceHolder 2"/>
+            <a:endParaRPr b="0" lang="de-DE" sz="4400" spc="-1" strike="noStrike">
+              <a:latin typeface="Arial"/>
+            </a:endParaRPr>
+          </a:p>
+        </p:txBody>
+      </p:sp>
+      <p:sp>
+        <p:nvSpPr>
+          <p:cNvPr id="32" name="PlaceHolder 2"/>
           <p:cNvSpPr>
             <a:spLocks noGrp="1"/>
           </p:cNvSpPr>
@@ -392,15 +392,15 @@
             <a:normAutofit/>
           </a:bodyPr>
           <a:p>
-            <a:endParaRPr b="0" lang="en-US" sz="3200" spc="-1" strike="noStrike">
-              <a:latin typeface="Arial"/>
-            </a:endParaRPr>
-          </a:p>
-        </p:txBody>
-      </p:sp>
-      <p:sp>
-        <p:nvSpPr>
-          <p:cNvPr id="35" name="PlaceHolder 3"/>
+            <a:endParaRPr b="0" lang="de-DE" sz="3200" spc="-1" strike="noStrike">
+              <a:latin typeface="Arial"/>
+            </a:endParaRPr>
+          </a:p>
+        </p:txBody>
+      </p:sp>
+      <p:sp>
+        <p:nvSpPr>
+          <p:cNvPr id="33" name="PlaceHolder 3"/>
           <p:cNvSpPr>
             <a:spLocks noGrp="1"/>
           </p:cNvSpPr>
@@ -422,15 +422,15 @@
             <a:normAutofit/>
           </a:bodyPr>
           <a:p>
-            <a:endParaRPr b="0" lang="en-US" sz="3200" spc="-1" strike="noStrike">
-              <a:latin typeface="Arial"/>
-            </a:endParaRPr>
-          </a:p>
-        </p:txBody>
-      </p:sp>
-      <p:sp>
-        <p:nvSpPr>
-          <p:cNvPr id="36" name="PlaceHolder 4"/>
+            <a:endParaRPr b="0" lang="de-DE" sz="3200" spc="-1" strike="noStrike">
+              <a:latin typeface="Arial"/>
+            </a:endParaRPr>
+          </a:p>
+        </p:txBody>
+      </p:sp>
+      <p:sp>
+        <p:nvSpPr>
+          <p:cNvPr id="34" name="PlaceHolder 4"/>
           <p:cNvSpPr>
             <a:spLocks noGrp="1"/>
           </p:cNvSpPr>
@@ -452,15 +452,15 @@
             <a:normAutofit/>
           </a:bodyPr>
           <a:p>
-            <a:endParaRPr b="0" lang="en-US" sz="3200" spc="-1" strike="noStrike">
-              <a:latin typeface="Arial"/>
-            </a:endParaRPr>
-          </a:p>
-        </p:txBody>
-      </p:sp>
-      <p:sp>
-        <p:nvSpPr>
-          <p:cNvPr id="37" name="PlaceHolder 5"/>
+            <a:endParaRPr b="0" lang="de-DE" sz="3200" spc="-1" strike="noStrike">
+              <a:latin typeface="Arial"/>
+            </a:endParaRPr>
+          </a:p>
+        </p:txBody>
+      </p:sp>
+      <p:sp>
+        <p:nvSpPr>
+          <p:cNvPr id="35" name="PlaceHolder 5"/>
           <p:cNvSpPr>
             <a:spLocks noGrp="1"/>
           </p:cNvSpPr>
@@ -482,15 +482,15 @@
             <a:normAutofit/>
           </a:bodyPr>
           <a:p>
-            <a:endParaRPr b="0" lang="en-US" sz="3200" spc="-1" strike="noStrike">
-              <a:latin typeface="Arial"/>
-            </a:endParaRPr>
-          </a:p>
-        </p:txBody>
-      </p:sp>
-      <p:sp>
-        <p:nvSpPr>
-          <p:cNvPr id="38" name="PlaceHolder 6"/>
+            <a:endParaRPr b="0" lang="de-DE" sz="3200" spc="-1" strike="noStrike">
+              <a:latin typeface="Arial"/>
+            </a:endParaRPr>
+          </a:p>
+        </p:txBody>
+      </p:sp>
+      <p:sp>
+        <p:nvSpPr>
+          <p:cNvPr id="36" name="PlaceHolder 6"/>
           <p:cNvSpPr>
             <a:spLocks noGrp="1"/>
           </p:cNvSpPr>
@@ -512,15 +512,15 @@
             <a:normAutofit/>
           </a:bodyPr>
           <a:p>
-            <a:endParaRPr b="0" lang="en-US" sz="3200" spc="-1" strike="noStrike">
-              <a:latin typeface="Arial"/>
-            </a:endParaRPr>
-          </a:p>
-        </p:txBody>
-      </p:sp>
-      <p:sp>
-        <p:nvSpPr>
-          <p:cNvPr id="39" name="PlaceHolder 7"/>
+            <a:endParaRPr b="0" lang="de-DE" sz="3200" spc="-1" strike="noStrike">
+              <a:latin typeface="Arial"/>
+            </a:endParaRPr>
+          </a:p>
+        </p:txBody>
+      </p:sp>
+      <p:sp>
+        <p:nvSpPr>
+          <p:cNvPr id="37" name="PlaceHolder 7"/>
           <p:cNvSpPr>
             <a:spLocks noGrp="1"/>
           </p:cNvSpPr>
@@ -542,7 +542,7 @@
             <a:normAutofit/>
           </a:bodyPr>
           <a:p>
-            <a:endParaRPr b="0" lang="en-US" sz="3200" spc="-1" strike="noStrike">
+            <a:endParaRPr b="0" lang="de-DE" sz="3200" spc="-1" strike="noStrike">
               <a:latin typeface="Arial"/>
             </a:endParaRPr>
           </a:p>
@@ -572,7 +572,7 @@
       </p:grpSpPr>
       <p:sp>
         <p:nvSpPr>
-          <p:cNvPr id="4" name="PlaceHolder 1"/>
+          <p:cNvPr id="2" name="PlaceHolder 1"/>
           <p:cNvSpPr>
             <a:spLocks noGrp="1"/>
           </p:cNvSpPr>
@@ -591,19 +591,19 @@
         </p:spPr>
         <p:txBody>
           <a:bodyPr lIns="0" rIns="0" tIns="0" bIns="0" anchor="ctr">
-            <a:spAutoFit/>
+            <a:noAutofit/>
           </a:bodyPr>
           <a:p>
             <a:pPr algn="ctr"/>
-            <a:endParaRPr b="0" lang="en-US" sz="4400" spc="-1" strike="noStrike">
-              <a:latin typeface="Arial"/>
-            </a:endParaRPr>
-          </a:p>
-        </p:txBody>
-      </p:sp>
-      <p:sp>
-        <p:nvSpPr>
-          <p:cNvPr id="5" name="PlaceHolder 2"/>
+            <a:endParaRPr b="0" lang="de-DE" sz="4400" spc="-1" strike="noStrike">
+              <a:latin typeface="Arial"/>
+            </a:endParaRPr>
+          </a:p>
+        </p:txBody>
+      </p:sp>
+      <p:sp>
+        <p:nvSpPr>
+          <p:cNvPr id="3" name="PlaceHolder 2"/>
           <p:cNvSpPr>
             <a:spLocks noGrp="1"/>
           </p:cNvSpPr>
@@ -622,11 +622,11 @@
         </p:spPr>
         <p:txBody>
           <a:bodyPr lIns="0" rIns="0" tIns="0" bIns="0" anchor="ctr">
-            <a:spAutoFit/>
+            <a:noAutofit/>
           </a:bodyPr>
           <a:p>
             <a:pPr algn="ctr"/>
-            <a:endParaRPr b="0" lang="en-US" sz="3200" spc="-1" strike="noStrike">
+            <a:endParaRPr b="0" lang="de-DE" sz="3200" spc="-1" strike="noStrike">
               <a:latin typeface="Arial"/>
             </a:endParaRPr>
           </a:p>
@@ -656,7 +656,7 @@
       </p:grpSpPr>
       <p:sp>
         <p:nvSpPr>
-          <p:cNvPr id="6" name="PlaceHolder 1"/>
+          <p:cNvPr id="4" name="PlaceHolder 1"/>
           <p:cNvSpPr>
             <a:spLocks noGrp="1"/>
           </p:cNvSpPr>
@@ -675,19 +675,19 @@
         </p:spPr>
         <p:txBody>
           <a:bodyPr lIns="0" rIns="0" tIns="0" bIns="0" anchor="ctr">
-            <a:spAutoFit/>
+            <a:noAutofit/>
           </a:bodyPr>
           <a:p>
             <a:pPr algn="ctr"/>
-            <a:endParaRPr b="0" lang="en-US" sz="4400" spc="-1" strike="noStrike">
-              <a:latin typeface="Arial"/>
-            </a:endParaRPr>
-          </a:p>
-        </p:txBody>
-      </p:sp>
-      <p:sp>
-        <p:nvSpPr>
-          <p:cNvPr id="7" name="PlaceHolder 2"/>
+            <a:endParaRPr b="0" lang="de-DE" sz="4400" spc="-1" strike="noStrike">
+              <a:latin typeface="Arial"/>
+            </a:endParaRPr>
+          </a:p>
+        </p:txBody>
+      </p:sp>
+      <p:sp>
+        <p:nvSpPr>
+          <p:cNvPr id="5" name="PlaceHolder 2"/>
           <p:cNvSpPr>
             <a:spLocks noGrp="1"/>
           </p:cNvSpPr>
@@ -709,7 +709,7 @@
             <a:normAutofit/>
           </a:bodyPr>
           <a:p>
-            <a:endParaRPr b="0" lang="en-US" sz="3200" spc="-1" strike="noStrike">
+            <a:endParaRPr b="0" lang="de-DE" sz="3200" spc="-1" strike="noStrike">
               <a:latin typeface="Arial"/>
             </a:endParaRPr>
           </a:p>
@@ -739,7 +739,7 @@
       </p:grpSpPr>
       <p:sp>
         <p:nvSpPr>
-          <p:cNvPr id="8" name="PlaceHolder 1"/>
+          <p:cNvPr id="6" name="PlaceHolder 1"/>
           <p:cNvSpPr>
             <a:spLocks noGrp="1"/>
           </p:cNvSpPr>
@@ -758,19 +758,19 @@
         </p:spPr>
         <p:txBody>
           <a:bodyPr lIns="0" rIns="0" tIns="0" bIns="0" anchor="ctr">
-            <a:spAutoFit/>
+            <a:noAutofit/>
           </a:bodyPr>
           <a:p>
             <a:pPr algn="ctr"/>
-            <a:endParaRPr b="0" lang="en-US" sz="4400" spc="-1" strike="noStrike">
-              <a:latin typeface="Arial"/>
-            </a:endParaRPr>
-          </a:p>
-        </p:txBody>
-      </p:sp>
-      <p:sp>
-        <p:nvSpPr>
-          <p:cNvPr id="9" name="PlaceHolder 2"/>
+            <a:endParaRPr b="0" lang="de-DE" sz="4400" spc="-1" strike="noStrike">
+              <a:latin typeface="Arial"/>
+            </a:endParaRPr>
+          </a:p>
+        </p:txBody>
+      </p:sp>
+      <p:sp>
+        <p:nvSpPr>
+          <p:cNvPr id="7" name="PlaceHolder 2"/>
           <p:cNvSpPr>
             <a:spLocks noGrp="1"/>
           </p:cNvSpPr>
@@ -792,15 +792,15 @@
             <a:normAutofit/>
           </a:bodyPr>
           <a:p>
-            <a:endParaRPr b="0" lang="en-US" sz="3200" spc="-1" strike="noStrike">
-              <a:latin typeface="Arial"/>
-            </a:endParaRPr>
-          </a:p>
-        </p:txBody>
-      </p:sp>
-      <p:sp>
-        <p:nvSpPr>
-          <p:cNvPr id="10" name="PlaceHolder 3"/>
+            <a:endParaRPr b="0" lang="de-DE" sz="3200" spc="-1" strike="noStrike">
+              <a:latin typeface="Arial"/>
+            </a:endParaRPr>
+          </a:p>
+        </p:txBody>
+      </p:sp>
+      <p:sp>
+        <p:nvSpPr>
+          <p:cNvPr id="8" name="PlaceHolder 3"/>
           <p:cNvSpPr>
             <a:spLocks noGrp="1"/>
           </p:cNvSpPr>
@@ -822,7 +822,7 @@
             <a:normAutofit/>
           </a:bodyPr>
           <a:p>
-            <a:endParaRPr b="0" lang="en-US" sz="3200" spc="-1" strike="noStrike">
+            <a:endParaRPr b="0" lang="de-DE" sz="3200" spc="-1" strike="noStrike">
               <a:latin typeface="Arial"/>
             </a:endParaRPr>
           </a:p>
@@ -852,7 +852,7 @@
       </p:grpSpPr>
       <p:sp>
         <p:nvSpPr>
-          <p:cNvPr id="11" name="PlaceHolder 1"/>
+          <p:cNvPr id="9" name="PlaceHolder 1"/>
           <p:cNvSpPr>
             <a:spLocks noGrp="1"/>
           </p:cNvSpPr>
@@ -871,11 +871,11 @@
         </p:spPr>
         <p:txBody>
           <a:bodyPr lIns="0" rIns="0" tIns="0" bIns="0" anchor="ctr">
-            <a:spAutoFit/>
+            <a:noAutofit/>
           </a:bodyPr>
           <a:p>
             <a:pPr algn="ctr"/>
-            <a:endParaRPr b="0" lang="en-US" sz="4400" spc="-1" strike="noStrike">
+            <a:endParaRPr b="0" lang="de-DE" sz="4400" spc="-1" strike="noStrike">
               <a:latin typeface="Arial"/>
             </a:endParaRPr>
           </a:p>
@@ -905,7 +905,7 @@
       </p:grpSpPr>
       <p:sp>
         <p:nvSpPr>
-          <p:cNvPr id="12" name="PlaceHolder 1"/>
+          <p:cNvPr id="10" name="PlaceHolder 1"/>
           <p:cNvSpPr>
             <a:spLocks noGrp="1"/>
           </p:cNvSpPr>
@@ -924,11 +924,11 @@
         </p:spPr>
         <p:txBody>
           <a:bodyPr lIns="0" rIns="0" tIns="0" bIns="0" anchor="ctr">
-            <a:spAutoFit/>
+            <a:noAutofit/>
           </a:bodyPr>
           <a:p>
             <a:pPr algn="ctr"/>
-            <a:endParaRPr b="0" lang="en-US" sz="3200" spc="-1" strike="noStrike">
+            <a:endParaRPr b="0" lang="de-DE" sz="3200" spc="-1" strike="noStrike">
               <a:latin typeface="Arial"/>
             </a:endParaRPr>
           </a:p>
@@ -958,7 +958,7 @@
       </p:grpSpPr>
       <p:sp>
         <p:nvSpPr>
-          <p:cNvPr id="13" name="PlaceHolder 1"/>
+          <p:cNvPr id="11" name="PlaceHolder 1"/>
           <p:cNvSpPr>
             <a:spLocks noGrp="1"/>
           </p:cNvSpPr>
@@ -977,19 +977,19 @@
         </p:spPr>
         <p:txBody>
           <a:bodyPr lIns="0" rIns="0" tIns="0" bIns="0" anchor="ctr">
-            <a:spAutoFit/>
+            <a:noAutofit/>
           </a:bodyPr>
           <a:p>
             <a:pPr algn="ctr"/>
-            <a:endParaRPr b="0" lang="en-US" sz="4400" spc="-1" strike="noStrike">
-              <a:latin typeface="Arial"/>
-            </a:endParaRPr>
-          </a:p>
-        </p:txBody>
-      </p:sp>
-      <p:sp>
-        <p:nvSpPr>
-          <p:cNvPr id="14" name="PlaceHolder 2"/>
+            <a:endParaRPr b="0" lang="de-DE" sz="4400" spc="-1" strike="noStrike">
+              <a:latin typeface="Arial"/>
+            </a:endParaRPr>
+          </a:p>
+        </p:txBody>
+      </p:sp>
+      <p:sp>
+        <p:nvSpPr>
+          <p:cNvPr id="12" name="PlaceHolder 2"/>
           <p:cNvSpPr>
             <a:spLocks noGrp="1"/>
           </p:cNvSpPr>
@@ -1011,15 +1011,15 @@
             <a:normAutofit/>
           </a:bodyPr>
           <a:p>
-            <a:endParaRPr b="0" lang="en-US" sz="3200" spc="-1" strike="noStrike">
-              <a:latin typeface="Arial"/>
-            </a:endParaRPr>
-          </a:p>
-        </p:txBody>
-      </p:sp>
-      <p:sp>
-        <p:nvSpPr>
-          <p:cNvPr id="15" name="PlaceHolder 3"/>
+            <a:endParaRPr b="0" lang="de-DE" sz="3200" spc="-1" strike="noStrike">
+              <a:latin typeface="Arial"/>
+            </a:endParaRPr>
+          </a:p>
+        </p:txBody>
+      </p:sp>
+      <p:sp>
+        <p:nvSpPr>
+          <p:cNvPr id="13" name="PlaceHolder 3"/>
           <p:cNvSpPr>
             <a:spLocks noGrp="1"/>
           </p:cNvSpPr>
@@ -1041,15 +1041,15 @@
             <a:normAutofit/>
           </a:bodyPr>
           <a:p>
-            <a:endParaRPr b="0" lang="en-US" sz="3200" spc="-1" strike="noStrike">
-              <a:latin typeface="Arial"/>
-            </a:endParaRPr>
-          </a:p>
-        </p:txBody>
-      </p:sp>
-      <p:sp>
-        <p:nvSpPr>
-          <p:cNvPr id="16" name="PlaceHolder 4"/>
+            <a:endParaRPr b="0" lang="de-DE" sz="3200" spc="-1" strike="noStrike">
+              <a:latin typeface="Arial"/>
+            </a:endParaRPr>
+          </a:p>
+        </p:txBody>
+      </p:sp>
+      <p:sp>
+        <p:nvSpPr>
+          <p:cNvPr id="14" name="PlaceHolder 4"/>
           <p:cNvSpPr>
             <a:spLocks noGrp="1"/>
           </p:cNvSpPr>
@@ -1071,7 +1071,7 @@
             <a:normAutofit/>
           </a:bodyPr>
           <a:p>
-            <a:endParaRPr b="0" lang="en-US" sz="3200" spc="-1" strike="noStrike">
+            <a:endParaRPr b="0" lang="de-DE" sz="3200" spc="-1" strike="noStrike">
               <a:latin typeface="Arial"/>
             </a:endParaRPr>
           </a:p>
@@ -1101,7 +1101,7 @@
       </p:grpSpPr>
       <p:sp>
         <p:nvSpPr>
-          <p:cNvPr id="17" name="PlaceHolder 1"/>
+          <p:cNvPr id="15" name="PlaceHolder 1"/>
           <p:cNvSpPr>
             <a:spLocks noGrp="1"/>
           </p:cNvSpPr>
@@ -1120,19 +1120,19 @@
         </p:spPr>
         <p:txBody>
           <a:bodyPr lIns="0" rIns="0" tIns="0" bIns="0" anchor="ctr">
-            <a:spAutoFit/>
+            <a:noAutofit/>
           </a:bodyPr>
           <a:p>
             <a:pPr algn="ctr"/>
-            <a:endParaRPr b="0" lang="en-US" sz="4400" spc="-1" strike="noStrike">
-              <a:latin typeface="Arial"/>
-            </a:endParaRPr>
-          </a:p>
-        </p:txBody>
-      </p:sp>
-      <p:sp>
-        <p:nvSpPr>
-          <p:cNvPr id="18" name="PlaceHolder 2"/>
+            <a:endParaRPr b="0" lang="de-DE" sz="4400" spc="-1" strike="noStrike">
+              <a:latin typeface="Arial"/>
+            </a:endParaRPr>
+          </a:p>
+        </p:txBody>
+      </p:sp>
+      <p:sp>
+        <p:nvSpPr>
+          <p:cNvPr id="16" name="PlaceHolder 2"/>
           <p:cNvSpPr>
             <a:spLocks noGrp="1"/>
           </p:cNvSpPr>
@@ -1154,15 +1154,15 @@
             <a:normAutofit/>
           </a:bodyPr>
           <a:p>
-            <a:endParaRPr b="0" lang="en-US" sz="3200" spc="-1" strike="noStrike">
-              <a:latin typeface="Arial"/>
-            </a:endParaRPr>
-          </a:p>
-        </p:txBody>
-      </p:sp>
-      <p:sp>
-        <p:nvSpPr>
-          <p:cNvPr id="19" name="PlaceHolder 3"/>
+            <a:endParaRPr b="0" lang="de-DE" sz="3200" spc="-1" strike="noStrike">
+              <a:latin typeface="Arial"/>
+            </a:endParaRPr>
+          </a:p>
+        </p:txBody>
+      </p:sp>
+      <p:sp>
+        <p:nvSpPr>
+          <p:cNvPr id="17" name="PlaceHolder 3"/>
           <p:cNvSpPr>
             <a:spLocks noGrp="1"/>
           </p:cNvSpPr>
@@ -1184,15 +1184,15 @@
             <a:normAutofit/>
           </a:bodyPr>
           <a:p>
-            <a:endParaRPr b="0" lang="en-US" sz="3200" spc="-1" strike="noStrike">
-              <a:latin typeface="Arial"/>
-            </a:endParaRPr>
-          </a:p>
-        </p:txBody>
-      </p:sp>
-      <p:sp>
-        <p:nvSpPr>
-          <p:cNvPr id="20" name="PlaceHolder 4"/>
+            <a:endParaRPr b="0" lang="de-DE" sz="3200" spc="-1" strike="noStrike">
+              <a:latin typeface="Arial"/>
+            </a:endParaRPr>
+          </a:p>
+        </p:txBody>
+      </p:sp>
+      <p:sp>
+        <p:nvSpPr>
+          <p:cNvPr id="18" name="PlaceHolder 4"/>
           <p:cNvSpPr>
             <a:spLocks noGrp="1"/>
           </p:cNvSpPr>
@@ -1214,7 +1214,7 @@
             <a:normAutofit/>
           </a:bodyPr>
           <a:p>
-            <a:endParaRPr b="0" lang="en-US" sz="3200" spc="-1" strike="noStrike">
+            <a:endParaRPr b="0" lang="de-DE" sz="3200" spc="-1" strike="noStrike">
               <a:latin typeface="Arial"/>
             </a:endParaRPr>
           </a:p>
@@ -1244,7 +1244,7 @@
       </p:grpSpPr>
       <p:sp>
         <p:nvSpPr>
-          <p:cNvPr id="21" name="PlaceHolder 1"/>
+          <p:cNvPr id="19" name="PlaceHolder 1"/>
           <p:cNvSpPr>
             <a:spLocks noGrp="1"/>
           </p:cNvSpPr>
@@ -1263,19 +1263,19 @@
         </p:spPr>
         <p:txBody>
           <a:bodyPr lIns="0" rIns="0" tIns="0" bIns="0" anchor="ctr">
-            <a:spAutoFit/>
+            <a:noAutofit/>
           </a:bodyPr>
           <a:p>
             <a:pPr algn="ctr"/>
-            <a:endParaRPr b="0" lang="en-US" sz="4400" spc="-1" strike="noStrike">
-              <a:latin typeface="Arial"/>
-            </a:endParaRPr>
-          </a:p>
-        </p:txBody>
-      </p:sp>
-      <p:sp>
-        <p:nvSpPr>
-          <p:cNvPr id="22" name="PlaceHolder 2"/>
+            <a:endParaRPr b="0" lang="de-DE" sz="4400" spc="-1" strike="noStrike">
+              <a:latin typeface="Arial"/>
+            </a:endParaRPr>
+          </a:p>
+        </p:txBody>
+      </p:sp>
+      <p:sp>
+        <p:nvSpPr>
+          <p:cNvPr id="20" name="PlaceHolder 2"/>
           <p:cNvSpPr>
             <a:spLocks noGrp="1"/>
           </p:cNvSpPr>
@@ -1297,15 +1297,15 @@
             <a:normAutofit/>
           </a:bodyPr>
           <a:p>
-            <a:endParaRPr b="0" lang="en-US" sz="3200" spc="-1" strike="noStrike">
-              <a:latin typeface="Arial"/>
-            </a:endParaRPr>
-          </a:p>
-        </p:txBody>
-      </p:sp>
-      <p:sp>
-        <p:nvSpPr>
-          <p:cNvPr id="23" name="PlaceHolder 3"/>
+            <a:endParaRPr b="0" lang="de-DE" sz="3200" spc="-1" strike="noStrike">
+              <a:latin typeface="Arial"/>
+            </a:endParaRPr>
+          </a:p>
+        </p:txBody>
+      </p:sp>
+      <p:sp>
+        <p:nvSpPr>
+          <p:cNvPr id="21" name="PlaceHolder 3"/>
           <p:cNvSpPr>
             <a:spLocks noGrp="1"/>
           </p:cNvSpPr>
@@ -1327,15 +1327,15 @@
             <a:normAutofit/>
           </a:bodyPr>
           <a:p>
-            <a:endParaRPr b="0" lang="en-US" sz="3200" spc="-1" strike="noStrike">
-              <a:latin typeface="Arial"/>
-            </a:endParaRPr>
-          </a:p>
-        </p:txBody>
-      </p:sp>
-      <p:sp>
-        <p:nvSpPr>
-          <p:cNvPr id="24" name="PlaceHolder 4"/>
+            <a:endParaRPr b="0" lang="de-DE" sz="3200" spc="-1" strike="noStrike">
+              <a:latin typeface="Arial"/>
+            </a:endParaRPr>
+          </a:p>
+        </p:txBody>
+      </p:sp>
+      <p:sp>
+        <p:nvSpPr>
+          <p:cNvPr id="22" name="PlaceHolder 4"/>
           <p:cNvSpPr>
             <a:spLocks noGrp="1"/>
           </p:cNvSpPr>
@@ -1357,7 +1357,7 @@
             <a:normAutofit/>
           </a:bodyPr>
           <a:p>
-            <a:endParaRPr b="0" lang="en-US" sz="3200" spc="-1" strike="noStrike">
+            <a:endParaRPr b="0" lang="de-DE" sz="3200" spc="-1" strike="noStrike">
               <a:latin typeface="Arial"/>
             </a:endParaRPr>
           </a:p>
@@ -1401,7 +1401,7 @@
         <p:spPr>
           <a:xfrm>
             <a:off x="0" y="4824360"/>
-            <a:ext cx="9138960" cy="313920"/>
+            <a:ext cx="9138600" cy="313560"/>
           </a:xfrm>
           <a:prstGeom prst="rect">
             <a:avLst/>
@@ -1438,7 +1438,7 @@
               </a:lnSpc>
             </a:pPr>
             <a:r>
-              <a:rPr b="1" lang="en-US" sz="1300" spc="-1" strike="noStrike">
+              <a:rPr b="1" lang="de-DE" sz="1300" spc="-1" strike="noStrike">
                 <a:solidFill>
                   <a:srgbClr val="003259"/>
                 </a:solidFill>
@@ -1447,7 +1447,7 @@
               </a:rPr>
               <a:t>Die Kommanditgesellschaft</a:t>
             </a:r>
-            <a:endParaRPr b="0" lang="en-US" sz="1300" spc="-1" strike="noStrike">
+            <a:endParaRPr b="0" lang="de-DE" sz="1300" spc="-1" strike="noStrike">
               <a:latin typeface="Arial"/>
             </a:endParaRPr>
           </a:p>
@@ -1462,7 +1462,7 @@
         <p:spPr>
           <a:xfrm>
             <a:off x="8714160" y="4897080"/>
-            <a:ext cx="186840" cy="186840"/>
+            <a:ext cx="186480" cy="186480"/>
           </a:xfrm>
           <a:prstGeom prst="ellipse">
             <a:avLst/>
@@ -1498,8 +1498,8 @@
                 <a:spcPct val="100000"/>
               </a:lnSpc>
             </a:pPr>
-            <a:fld id="{B1A88CDA-3EC6-4760-9E59-F2586772F0A6}" type="slidenum">
-              <a:rPr b="0" lang="en-US" sz="680" spc="-1" strike="noStrike">
+            <a:fld id="{C076CBB0-E5C0-404C-9D6E-B6C5A5AA3895}" type="slidenum">
+              <a:rPr b="0" lang="de-DE" sz="680" spc="-1" strike="noStrike">
                 <a:solidFill>
                   <a:srgbClr val="02d35f"/>
                 </a:solidFill>
@@ -1508,223 +1508,7 @@
               </a:rPr>
               <a:t>&lt;number&gt;</a:t>
             </a:fld>
-            <a:endParaRPr b="0" lang="en-US" sz="680" spc="-1" strike="noStrike">
-              <a:latin typeface="Arial"/>
-            </a:endParaRPr>
-          </a:p>
-        </p:txBody>
-      </p:sp>
-      <p:sp>
-        <p:nvSpPr>
-          <p:cNvPr id="2" name="PlaceHolder 3"/>
-          <p:cNvSpPr>
-            <a:spLocks noGrp="1"/>
-          </p:cNvSpPr>
-          <p:nvPr>
-            <p:ph type="title"/>
-          </p:nvPr>
-        </p:nvSpPr>
-        <p:spPr>
-          <a:xfrm>
-            <a:off x="457200" y="205200"/>
-            <a:ext cx="8229240" cy="858600"/>
-          </a:xfrm>
-          <a:prstGeom prst="rect">
-            <a:avLst/>
-          </a:prstGeom>
-        </p:spPr>
-        <p:txBody>
-          <a:bodyPr lIns="0" rIns="0" tIns="0" bIns="0" anchor="ctr">
-            <a:noAutofit/>
-          </a:bodyPr>
-          <a:p>
-            <a:pPr algn="ctr"/>
-            <a:r>
-              <a:rPr b="0" lang="en-US" sz="4400" spc="-1" strike="noStrike">
-                <a:latin typeface="Arial"/>
-              </a:rPr>
-              <a:t>Click to edit the title text format</a:t>
-            </a:r>
-            <a:endParaRPr b="0" lang="en-US" sz="4400" spc="-1" strike="noStrike">
-              <a:latin typeface="Arial"/>
-            </a:endParaRPr>
-          </a:p>
-        </p:txBody>
-      </p:sp>
-      <p:sp>
-        <p:nvSpPr>
-          <p:cNvPr id="3" name="PlaceHolder 4"/>
-          <p:cNvSpPr>
-            <a:spLocks noGrp="1"/>
-          </p:cNvSpPr>
-          <p:nvPr>
-            <p:ph type="body"/>
-          </p:nvPr>
-        </p:nvSpPr>
-        <p:spPr>
-          <a:xfrm>
-            <a:off x="457200" y="1203480"/>
-            <a:ext cx="8229240" cy="2982960"/>
-          </a:xfrm>
-          <a:prstGeom prst="rect">
-            <a:avLst/>
-          </a:prstGeom>
-        </p:spPr>
-        <p:txBody>
-          <a:bodyPr lIns="0" rIns="0" tIns="0" bIns="0">
-            <a:normAutofit/>
-          </a:bodyPr>
-          <a:p>
-            <a:pPr marL="432000" indent="-324000">
-              <a:spcBef>
-                <a:spcPts val="1417"/>
-              </a:spcBef>
-              <a:buClr>
-                <a:srgbClr val="000000"/>
-              </a:buClr>
-              <a:buSzPct val="45000"/>
-              <a:buFont typeface="Wingdings" charset="2"/>
-              <a:buChar char=""/>
-            </a:pPr>
-            <a:r>
-              <a:rPr b="0" lang="en-US" sz="3200" spc="-1" strike="noStrike">
-                <a:latin typeface="Arial"/>
-              </a:rPr>
-              <a:t>Click to edit the outline text format</a:t>
-            </a:r>
-            <a:endParaRPr b="0" lang="en-US" sz="3200" spc="-1" strike="noStrike">
-              <a:latin typeface="Arial"/>
-            </a:endParaRPr>
-          </a:p>
-          <a:p>
-            <a:pPr lvl="1" marL="864000" indent="-324000">
-              <a:spcBef>
-                <a:spcPts val="1134"/>
-              </a:spcBef>
-              <a:buClr>
-                <a:srgbClr val="000000"/>
-              </a:buClr>
-              <a:buSzPct val="75000"/>
-              <a:buFont typeface="Symbol" charset="2"/>
-              <a:buChar char=""/>
-            </a:pPr>
-            <a:r>
-              <a:rPr b="0" lang="en-US" sz="2800" spc="-1" strike="noStrike">
-                <a:latin typeface="Arial"/>
-              </a:rPr>
-              <a:t>Second Outline Level</a:t>
-            </a:r>
-            <a:endParaRPr b="0" lang="en-US" sz="2800" spc="-1" strike="noStrike">
-              <a:latin typeface="Arial"/>
-            </a:endParaRPr>
-          </a:p>
-          <a:p>
-            <a:pPr lvl="2" marL="1296000" indent="-288000">
-              <a:spcBef>
-                <a:spcPts val="850"/>
-              </a:spcBef>
-              <a:buClr>
-                <a:srgbClr val="000000"/>
-              </a:buClr>
-              <a:buSzPct val="45000"/>
-              <a:buFont typeface="Wingdings" charset="2"/>
-              <a:buChar char=""/>
-            </a:pPr>
-            <a:r>
-              <a:rPr b="0" lang="en-US" sz="2400" spc="-1" strike="noStrike">
-                <a:latin typeface="Arial"/>
-              </a:rPr>
-              <a:t>Third Outline Level</a:t>
-            </a:r>
-            <a:endParaRPr b="0" lang="en-US" sz="2400" spc="-1" strike="noStrike">
-              <a:latin typeface="Arial"/>
-            </a:endParaRPr>
-          </a:p>
-          <a:p>
-            <a:pPr lvl="3" marL="1728000" indent="-216000">
-              <a:spcBef>
-                <a:spcPts val="567"/>
-              </a:spcBef>
-              <a:buClr>
-                <a:srgbClr val="000000"/>
-              </a:buClr>
-              <a:buSzPct val="75000"/>
-              <a:buFont typeface="Symbol" charset="2"/>
-              <a:buChar char=""/>
-            </a:pPr>
-            <a:r>
-              <a:rPr b="0" lang="en-US" sz="2000" spc="-1" strike="noStrike">
-                <a:latin typeface="Arial"/>
-              </a:rPr>
-              <a:t>Fourth Outline Level</a:t>
-            </a:r>
-            <a:endParaRPr b="0" lang="en-US" sz="2000" spc="-1" strike="noStrike">
-              <a:latin typeface="Arial"/>
-            </a:endParaRPr>
-          </a:p>
-          <a:p>
-            <a:pPr lvl="4" marL="2160000" indent="-216000">
-              <a:spcBef>
-                <a:spcPts val="283"/>
-              </a:spcBef>
-              <a:buClr>
-                <a:srgbClr val="000000"/>
-              </a:buClr>
-              <a:buSzPct val="45000"/>
-              <a:buFont typeface="Wingdings" charset="2"/>
-              <a:buChar char=""/>
-            </a:pPr>
-            <a:r>
-              <a:rPr b="0" lang="en-US" sz="2000" spc="-1" strike="noStrike">
-                <a:latin typeface="Arial"/>
-              </a:rPr>
-              <a:t>Fifth Outline Level</a:t>
-            </a:r>
-            <a:endParaRPr b="0" lang="en-US" sz="2000" spc="-1" strike="noStrike">
-              <a:latin typeface="Arial"/>
-            </a:endParaRPr>
-          </a:p>
-          <a:p>
-            <a:pPr lvl="5" marL="2592000" indent="-216000">
-              <a:spcBef>
-                <a:spcPts val="283"/>
-              </a:spcBef>
-              <a:buClr>
-                <a:srgbClr val="000000"/>
-              </a:buClr>
-              <a:buSzPct val="45000"/>
-              <a:buFont typeface="Wingdings" charset="2"/>
-              <a:buChar char=""/>
-            </a:pPr>
-            <a:r>
-              <a:rPr b="0" lang="en-US" sz="2000" spc="-1" strike="noStrike">
-                <a:latin typeface="Arial"/>
-              </a:rPr>
-              <a:t>Sixth Outline Level</a:t>
-            </a:r>
-            <a:endParaRPr b="0" lang="en-US" sz="2000" spc="-1" strike="noStrike">
-              <a:latin typeface="Arial"/>
-            </a:endParaRPr>
-          </a:p>
-          <a:p>
-            <a:pPr lvl="6" marL="3024000" indent="-216000">
-              <a:spcBef>
-                <a:spcPts val="283"/>
-              </a:spcBef>
-              <a:buClr>
-                <a:srgbClr val="000000"/>
-              </a:buClr>
-              <a:buSzPct val="45000"/>
-              <a:buFont typeface="Wingdings" charset="2"/>
-              <a:buChar char=""/>
-            </a:pPr>
-            <a:r>
-              <a:rPr b="0" lang="en-US" sz="2000" spc="-1" strike="noStrike">
-                <a:latin typeface="Arial"/>
-              </a:rPr>
-              <a:t>Seventh Outline Level</a:t>
-            </a:r>
-            <a:endParaRPr b="0" lang="en-US" sz="2000" spc="-1" strike="noStrike">
+            <a:endParaRPr b="0" lang="de-DE" sz="680" spc="-1" strike="noStrike">
               <a:latin typeface="Arial"/>
             </a:endParaRPr>
           </a:p>
@@ -1769,14 +1553,14 @@
       </p:grpSpPr>
       <p:sp>
         <p:nvSpPr>
-          <p:cNvPr id="40" name="CustomShape 1"/>
+          <p:cNvPr id="38" name="CustomShape 1"/>
           <p:cNvSpPr/>
           <p:nvPr/>
         </p:nvSpPr>
         <p:spPr>
           <a:xfrm>
             <a:off x="874800" y="343080"/>
-            <a:ext cx="7961040" cy="580680"/>
+            <a:ext cx="7960680" cy="580320"/>
           </a:xfrm>
           <a:prstGeom prst="rect">
             <a:avLst/>
@@ -1795,14 +1579,14 @@
       </p:sp>
       <p:sp>
         <p:nvSpPr>
-          <p:cNvPr id="41" name="CustomShape 2"/>
+          <p:cNvPr id="39" name="CustomShape 2"/>
           <p:cNvSpPr/>
           <p:nvPr/>
         </p:nvSpPr>
         <p:spPr>
           <a:xfrm>
             <a:off x="874800" y="1381680"/>
-            <a:ext cx="3891960" cy="3278160"/>
+            <a:ext cx="3891600" cy="3277800"/>
           </a:xfrm>
           <a:prstGeom prst="rect">
             <a:avLst/>
@@ -1821,14 +1605,14 @@
       </p:sp>
       <p:sp>
         <p:nvSpPr>
-          <p:cNvPr id="42" name="CustomShape 3"/>
+          <p:cNvPr id="40" name="CustomShape 3"/>
           <p:cNvSpPr/>
           <p:nvPr/>
         </p:nvSpPr>
         <p:spPr>
           <a:xfrm>
             <a:off x="874800" y="990360"/>
-            <a:ext cx="3891960" cy="323640"/>
+            <a:ext cx="3891600" cy="323280"/>
           </a:xfrm>
           <a:prstGeom prst="rect">
             <a:avLst/>
@@ -1847,14 +1631,14 @@
       </p:sp>
       <p:sp>
         <p:nvSpPr>
-          <p:cNvPr id="43" name="CustomShape 4"/>
+          <p:cNvPr id="41" name="CustomShape 4"/>
           <p:cNvSpPr/>
           <p:nvPr/>
         </p:nvSpPr>
         <p:spPr>
           <a:xfrm>
             <a:off x="4943520" y="1382400"/>
-            <a:ext cx="3895560" cy="3278160"/>
+            <a:ext cx="3895200" cy="3277800"/>
           </a:xfrm>
           <a:prstGeom prst="rect">
             <a:avLst/>
@@ -1873,14 +1657,14 @@
       </p:sp>
       <p:sp>
         <p:nvSpPr>
-          <p:cNvPr id="44" name="CustomShape 5"/>
+          <p:cNvPr id="42" name="CustomShape 5"/>
           <p:cNvSpPr/>
           <p:nvPr/>
         </p:nvSpPr>
         <p:spPr>
           <a:xfrm>
             <a:off x="4943520" y="990360"/>
-            <a:ext cx="3895560" cy="323640"/>
+            <a:ext cx="3895200" cy="323280"/>
           </a:xfrm>
           <a:prstGeom prst="rect">
             <a:avLst/>
@@ -1899,14 +1683,14 @@
       </p:sp>
       <p:sp>
         <p:nvSpPr>
-          <p:cNvPr id="45" name="CustomShape 6"/>
+          <p:cNvPr id="43" name="CustomShape 6"/>
           <p:cNvSpPr/>
           <p:nvPr/>
         </p:nvSpPr>
         <p:spPr>
           <a:xfrm>
             <a:off x="874800" y="343080"/>
-            <a:ext cx="7961040" cy="580680"/>
+            <a:ext cx="7960680" cy="580320"/>
           </a:xfrm>
           <a:prstGeom prst="rect">
             <a:avLst/>
@@ -1933,7 +1717,7 @@
               </a:lnSpc>
             </a:pPr>
             <a:r>
-              <a:rPr b="1" lang="en-US" sz="2800" spc="-1" strike="noStrike">
+              <a:rPr b="1" lang="de-DE" sz="2800" spc="-1" strike="noStrike">
                 <a:solidFill>
                   <a:srgbClr val="003259"/>
                 </a:solidFill>
@@ -1942,22 +1726,22 @@
               </a:rPr>
               <a:t>Quellen</a:t>
             </a:r>
-            <a:endParaRPr b="0" lang="en-US" sz="2800" spc="-1" strike="noStrike">
-              <a:latin typeface="Arial"/>
-            </a:endParaRPr>
-          </a:p>
-        </p:txBody>
-      </p:sp>
-      <p:sp>
-        <p:nvSpPr>
-          <p:cNvPr id="46" name="CustomShape 7"/>
+            <a:endParaRPr b="0" lang="de-DE" sz="2800" spc="-1" strike="noStrike">
+              <a:latin typeface="Arial"/>
+            </a:endParaRPr>
+          </a:p>
+        </p:txBody>
+      </p:sp>
+      <p:sp>
+        <p:nvSpPr>
+          <p:cNvPr id="44" name="CustomShape 7"/>
           <p:cNvSpPr/>
           <p:nvPr/>
         </p:nvSpPr>
         <p:spPr>
           <a:xfrm>
-            <a:off x="822960" y="1188720"/>
-            <a:ext cx="7129440" cy="3471120"/>
+            <a:off x="792000" y="990360"/>
+            <a:ext cx="7129080" cy="3470760"/>
           </a:xfrm>
           <a:prstGeom prst="rect">
             <a:avLst/>
@@ -1984,7 +1768,7 @@
               </a:lnSpc>
             </a:pPr>
             <a:r>
-              <a:rPr b="0" lang="en-US" sz="1800" spc="-1" strike="noStrike">
+              <a:rPr b="0" lang="de-DE" sz="1600" spc="-1" strike="noStrike">
                 <a:solidFill>
                   <a:srgbClr val="000000"/>
                 </a:solidFill>
@@ -1993,7 +1777,7 @@
               </a:rPr>
               <a:t>- https://www.gesetze-im-internet.de/hgb</a:t>
             </a:r>
-            <a:endParaRPr b="0" lang="en-US" sz="1800" spc="-1" strike="noStrike">
+            <a:endParaRPr b="0" lang="de-DE" sz="1600" spc="-1" strike="noStrike">
               <a:latin typeface="Arial"/>
             </a:endParaRPr>
           </a:p>
@@ -2004,7 +1788,7 @@
               </a:lnSpc>
             </a:pPr>
             <a:r>
-              <a:rPr b="0" lang="en-US" sz="1800" spc="-1" strike="noStrike">
+              <a:rPr b="0" lang="de-DE" sz="1600" spc="-1" strike="noStrike">
                 <a:solidFill>
                   <a:srgbClr val="000000"/>
                 </a:solidFill>
@@ -2014,7 +1798,7 @@
               <a:t>- </a:t>
             </a:r>
             <a:r>
-              <a:rPr b="0" lang="en-US" sz="1800" spc="-1" strike="noStrike" u="sng">
+              <a:rPr b="0" lang="de-DE" sz="1600" spc="-1" strike="noStrike" u="sng">
                 <a:solidFill>
                   <a:srgbClr val="1aa39a"/>
                 </a:solidFill>
@@ -2026,7 +1810,7 @@
               <a:t>https://de.wikipedia.org/wiki/Kommanditgesellschaft_(Deutschland</a:t>
             </a:r>
             <a:r>
-              <a:rPr b="0" lang="en-US" sz="1800" spc="-1" strike="noStrike">
+              <a:rPr b="0" lang="de-DE" sz="1600" spc="-1" strike="noStrike">
                 <a:solidFill>
                   <a:srgbClr val="000000"/>
                 </a:solidFill>
@@ -2035,7 +1819,7 @@
               </a:rPr>
               <a:t>)</a:t>
             </a:r>
-            <a:endParaRPr b="0" lang="en-US" sz="1800" spc="-1" strike="noStrike">
+            <a:endParaRPr b="0" lang="de-DE" sz="1600" spc="-1" strike="noStrike">
               <a:latin typeface="Arial"/>
             </a:endParaRPr>
           </a:p>
@@ -2046,7 +1830,7 @@
               </a:lnSpc>
             </a:pPr>
             <a:r>
-              <a:rPr b="0" lang="en-US" sz="1800" spc="-1" strike="noStrike">
+              <a:rPr b="0" lang="de-DE" sz="1600" spc="-1" strike="noStrike">
                 <a:solidFill>
                   <a:srgbClr val="000000"/>
                 </a:solidFill>
@@ -2056,7 +1840,7 @@
               <a:t>- </a:t>
             </a:r>
             <a:r>
-              <a:rPr b="0" lang="en-US" sz="1800" spc="-1" strike="noStrike" u="sng">
+              <a:rPr b="0" lang="de-DE" sz="1600" spc="-1" strike="noStrike" u="sng">
                 <a:solidFill>
                   <a:srgbClr val="1aa39a"/>
                 </a:solidFill>
@@ -2067,7 +1851,7 @@
               </a:rPr>
               <a:t>https://www.gmbh-guide.de/kg-haftung-und-vorteile.html</a:t>
             </a:r>
-            <a:endParaRPr b="0" lang="en-US" sz="1800" spc="-1" strike="noStrike">
+            <a:endParaRPr b="0" lang="de-DE" sz="1600" spc="-1" strike="noStrike">
               <a:latin typeface="Arial"/>
             </a:endParaRPr>
           </a:p>
@@ -2078,7 +1862,7 @@
               </a:lnSpc>
             </a:pPr>
             <a:r>
-              <a:rPr b="0" lang="en-US" sz="1800" spc="-1" strike="noStrike">
+              <a:rPr b="0" lang="de-DE" sz="1600" spc="-1" strike="noStrike">
                 <a:solidFill>
                   <a:srgbClr val="000000"/>
                 </a:solidFill>
@@ -2088,17 +1872,18 @@
               <a:t>- </a:t>
             </a:r>
             <a:r>
-              <a:rPr b="0" lang="en-US" sz="1800" spc="-1" strike="noStrike">
+              <a:rPr b="0" lang="de-DE" sz="1600" spc="-1" strike="noStrike" u="sng">
                 <a:solidFill>
-                  <a:srgbClr val="000000"/>
+                  <a:srgbClr val="1aa39a"/>
                 </a:solidFill>
+                <a:uFillTx/>
                 <a:latin typeface="Arial"/>
                 <a:ea typeface="DejaVu Sans"/>
                 <a:hlinkClick r:id="rId3"/>
               </a:rPr>
               <a:t>https://de.wikipedia.org/wiki/Hoyer_Unternehmensgruppe</a:t>
             </a:r>
-            <a:endParaRPr b="0" lang="en-US" sz="1800" spc="-1" strike="noStrike">
+            <a:endParaRPr b="0" lang="de-DE" sz="1600" spc="-1" strike="noStrike">
               <a:latin typeface="Arial"/>
             </a:endParaRPr>
           </a:p>
@@ -2109,7 +1894,7 @@
               </a:lnSpc>
             </a:pPr>
             <a:r>
-              <a:rPr b="0" lang="en-US" sz="1800" spc="-1" strike="noStrike">
+              <a:rPr b="0" lang="de-DE" sz="1600" spc="-1" strike="noStrike">
                 <a:solidFill>
                   <a:srgbClr val="000000"/>
                 </a:solidFill>
@@ -2119,17 +1904,18 @@
               <a:t>- </a:t>
             </a:r>
             <a:r>
-              <a:rPr b="0" lang="en-US" sz="1800" spc="-1" strike="noStrike">
+              <a:rPr b="0" lang="de-DE" sz="1600" spc="-1" strike="noStrike" u="sng">
                 <a:solidFill>
-                  <a:srgbClr val="000000"/>
+                  <a:srgbClr val="1aa39a"/>
                 </a:solidFill>
+                <a:uFillTx/>
                 <a:latin typeface="Arial"/>
                 <a:ea typeface="DejaVu Sans"/>
                 <a:hlinkClick r:id="rId4"/>
               </a:rPr>
               <a:t>https://www.gevestor.de/details/kommanditgesellschaft-grundung-eines-flexiblen-unternehmens-644156.html</a:t>
             </a:r>
-            <a:endParaRPr b="0" lang="en-US" sz="1800" spc="-1" strike="noStrike">
+            <a:endParaRPr b="0" lang="de-DE" sz="1600" spc="-1" strike="noStrike">
               <a:latin typeface="Arial"/>
             </a:endParaRPr>
           </a:p>
@@ -2140,7 +1926,7 @@
               </a:lnSpc>
             </a:pPr>
             <a:r>
-              <a:rPr b="0" lang="en-US" sz="1800" spc="-1" strike="noStrike">
+              <a:rPr b="0" lang="de-DE" sz="1600" spc="-1" strike="noStrike">
                 <a:solidFill>
                   <a:srgbClr val="000000"/>
                 </a:solidFill>
@@ -2149,7 +1935,7 @@
               </a:rPr>
               <a:t>- https://wirtschaftslexikon.gabler.de/definition/kommanditgesellschaft-kg-40085</a:t>
             </a:r>
-            <a:endParaRPr b="0" lang="en-US" sz="1800" spc="-1" strike="noStrike">
+            <a:endParaRPr b="0" lang="de-DE" sz="1600" spc="-1" strike="noStrike">
               <a:latin typeface="Arial"/>
             </a:endParaRPr>
           </a:p>
@@ -2160,66 +1946,37 @@
               </a:lnSpc>
             </a:pPr>
             <a:r>
-              <a:rPr b="0" lang="en-US" sz="1800" spc="-1" strike="noStrike">
+              <a:rPr b="0" lang="de-DE" sz="1600" spc="-1" strike="noStrike">
                 <a:solidFill>
                   <a:srgbClr val="000000"/>
                 </a:solidFill>
                 <a:latin typeface="Arial"/>
                 <a:ea typeface="DejaVu Sans"/>
               </a:rPr>
-              <a:t>- http://www.payer.de/arbeitkapital/arbeitkapital0301.htm#2.3.2.</a:t>
+              <a:t>- </a:t>
             </a:r>
-            <a:endParaRPr b="0" lang="en-US" sz="1800" spc="-1" strike="noStrike">
-              <a:latin typeface="Arial"/>
-            </a:endParaRPr>
-          </a:p>
-          <a:p>
-            <a:pPr>
-              <a:lnSpc>
-                <a:spcPct val="100000"/>
-              </a:lnSpc>
-            </a:pPr>
-            <a:endParaRPr b="0" lang="en-US" sz="1800" spc="-1" strike="noStrike">
-              <a:latin typeface="Arial"/>
-            </a:endParaRPr>
-          </a:p>
-          <a:p>
-            <a:pPr>
-              <a:lnSpc>
-                <a:spcPct val="100000"/>
-              </a:lnSpc>
-            </a:pPr>
-            <a:endParaRPr b="0" lang="en-US" sz="1800" spc="-1" strike="noStrike">
-              <a:latin typeface="Arial"/>
-            </a:endParaRPr>
-          </a:p>
-          <a:p>
-            <a:pPr>
-              <a:lnSpc>
-                <a:spcPct val="100000"/>
-              </a:lnSpc>
-            </a:pPr>
-            <a:endParaRPr b="0" lang="en-US" sz="1800" spc="-1" strike="noStrike">
-              <a:latin typeface="Arial"/>
-            </a:endParaRPr>
-          </a:p>
-          <a:p>
-            <a:pPr>
-              <a:lnSpc>
-                <a:spcPct val="100000"/>
-              </a:lnSpc>
-            </a:pPr>
-            <a:endParaRPr b="0" lang="en-US" sz="1800" spc="-1" strike="noStrike">
-              <a:latin typeface="Arial"/>
-            </a:endParaRPr>
-          </a:p>
-          <a:p>
-            <a:pPr>
-              <a:lnSpc>
-                <a:spcPct val="100000"/>
-              </a:lnSpc>
-            </a:pPr>
-            <a:endParaRPr b="0" lang="en-US" sz="1800" spc="-1" strike="noStrike">
+            <a:r>
+              <a:rPr b="0" lang="de-DE" sz="1600" spc="-1" strike="noStrike">
+                <a:solidFill>
+                  <a:srgbClr val="000000"/>
+                </a:solidFill>
+                <a:latin typeface="Arial"/>
+                <a:ea typeface="DejaVu Sans"/>
+                <a:hlinkClick r:id="rId5"/>
+              </a:rPr>
+              <a:t>http://www.payer.de/arbeitkapital/arbeitkapital0301.htm#2.3.2</a:t>
+            </a:r>
+            <a:r>
+              <a:rPr b="0" lang="de-DE" sz="1600" spc="-1" strike="noStrike">
+                <a:solidFill>
+                  <a:srgbClr val="000000"/>
+                </a:solidFill>
+                <a:latin typeface="Arial"/>
+                <a:ea typeface="DejaVu Sans"/>
+              </a:rPr>
+              <a:t>.</a:t>
+            </a:r>
+            <a:endParaRPr b="0" lang="de-DE" sz="1600" spc="-1" strike="noStrike">
               <a:latin typeface="Arial"/>
             </a:endParaRPr>
           </a:p>
@@ -2230,7 +1987,77 @@
               </a:lnSpc>
             </a:pPr>
             <a:r>
-              <a:rPr b="0" lang="en-US" sz="1800" spc="-1" strike="noStrike">
+              <a:rPr b="0" lang="de-DE" sz="1600" spc="-1" strike="noStrike">
+                <a:solidFill>
+                  <a:srgbClr val="000000"/>
+                </a:solidFill>
+                <a:latin typeface="Arial"/>
+                <a:ea typeface="DejaVu Sans"/>
+              </a:rPr>
+              <a:t>https://www.bundesjustizamt.de/DE/Themen/Ordnungs_Bussgeld_Vollstreckung/Jahresabschluesse/Offenlegung/Offenlegungspflichten/Offenlegungspflichten_node.html</a:t>
+            </a:r>
+            <a:endParaRPr b="0" lang="de-DE" sz="1600" spc="-1" strike="noStrike">
+              <a:latin typeface="Arial"/>
+            </a:endParaRPr>
+          </a:p>
+          <a:p>
+            <a:pPr>
+              <a:lnSpc>
+                <a:spcPct val="100000"/>
+              </a:lnSpc>
+            </a:pPr>
+            <a:endParaRPr b="0" lang="de-DE" sz="1600" spc="-1" strike="noStrike">
+              <a:latin typeface="Arial"/>
+            </a:endParaRPr>
+          </a:p>
+          <a:p>
+            <a:pPr>
+              <a:lnSpc>
+                <a:spcPct val="100000"/>
+              </a:lnSpc>
+            </a:pPr>
+            <a:endParaRPr b="0" lang="de-DE" sz="1600" spc="-1" strike="noStrike">
+              <a:latin typeface="Arial"/>
+            </a:endParaRPr>
+          </a:p>
+          <a:p>
+            <a:pPr>
+              <a:lnSpc>
+                <a:spcPct val="100000"/>
+              </a:lnSpc>
+            </a:pPr>
+            <a:endParaRPr b="0" lang="de-DE" sz="1600" spc="-1" strike="noStrike">
+              <a:latin typeface="Arial"/>
+            </a:endParaRPr>
+          </a:p>
+          <a:p>
+            <a:pPr>
+              <a:lnSpc>
+                <a:spcPct val="100000"/>
+              </a:lnSpc>
+            </a:pPr>
+            <a:endParaRPr b="0" lang="de-DE" sz="1600" spc="-1" strike="noStrike">
+              <a:latin typeface="Arial"/>
+            </a:endParaRPr>
+          </a:p>
+          <a:p>
+            <a:pPr>
+              <a:lnSpc>
+                <a:spcPct val="100000"/>
+              </a:lnSpc>
+            </a:pPr>
+            <a:endParaRPr b="0" lang="de-DE" sz="1600" spc="-1" strike="noStrike">
+              <a:latin typeface="Arial"/>
+            </a:endParaRPr>
+          </a:p>
+          <a:p>
+            <a:pPr>
+              <a:lnSpc>
+                <a:spcPct val="100000"/>
+              </a:lnSpc>
+            </a:pPr>
+            <a:r>
+              <a:rPr b="0" lang="de-DE" sz="1600" spc="-1" strike="noStrike">
                 <a:solidFill>
                   <a:srgbClr val="000000"/>
                 </a:solidFill>
@@ -2239,7 +2066,7 @@
               </a:rPr>
               <a:t>          </a:t>
             </a:r>
-            <a:endParaRPr b="0" lang="en-US" sz="1800" spc="-1" strike="noStrike">
+            <a:endParaRPr b="0" lang="de-DE" sz="1600" spc="-1" strike="noStrike">
               <a:latin typeface="Arial"/>
             </a:endParaRPr>
           </a:p>
@@ -2250,7 +2077,7 @@
               </a:lnSpc>
             </a:pPr>
             <a:r>
-              <a:rPr b="0" lang="en-US" sz="1800" spc="-1" strike="noStrike">
+              <a:rPr b="0" lang="de-DE" sz="1600" spc="-1" strike="noStrike">
                 <a:solidFill>
                   <a:srgbClr val="000000"/>
                 </a:solidFill>
@@ -2260,7 +2087,7 @@
               <a:t>	</a:t>
             </a:r>
             <a:r>
-              <a:rPr b="0" lang="en-US" sz="1800" spc="-1" strike="noStrike">
+              <a:rPr b="0" lang="de-DE" sz="1600" spc="-1" strike="noStrike">
                 <a:solidFill>
                   <a:srgbClr val="000000"/>
                 </a:solidFill>
@@ -2269,7 +2096,7 @@
               </a:rPr>
               <a:t>    </a:t>
             </a:r>
-            <a:endParaRPr b="0" lang="en-US" sz="1800" spc="-1" strike="noStrike">
+            <a:endParaRPr b="0" lang="de-DE" sz="1600" spc="-1" strike="noStrike">
               <a:latin typeface="Arial"/>
             </a:endParaRPr>
           </a:p>
@@ -2279,7 +2106,7 @@
                 <a:spcPct val="100000"/>
               </a:lnSpc>
             </a:pPr>
-            <a:endParaRPr b="0" lang="en-US" sz="1800" spc="-1" strike="noStrike">
+            <a:endParaRPr b="0" lang="de-DE" sz="1600" spc="-1" strike="noStrike">
               <a:latin typeface="Arial"/>
             </a:endParaRPr>
           </a:p>
@@ -2289,7 +2116,7 @@
                 <a:spcPct val="100000"/>
               </a:lnSpc>
             </a:pPr>
-            <a:endParaRPr b="0" lang="en-US" sz="1800" spc="-1" strike="noStrike">
+            <a:endParaRPr b="0" lang="de-DE" sz="1600" spc="-1" strike="noStrike">
               <a:latin typeface="Arial"/>
             </a:endParaRPr>
           </a:p>
@@ -2299,7 +2126,7 @@
                 <a:spcPct val="100000"/>
               </a:lnSpc>
             </a:pPr>
-            <a:endParaRPr b="0" lang="en-US" sz="1800" spc="-1" strike="noStrike">
+            <a:endParaRPr b="0" lang="de-DE" sz="1600" spc="-1" strike="noStrike">
               <a:latin typeface="Arial"/>
             </a:endParaRPr>
           </a:p>
@@ -2309,7 +2136,7 @@
                 <a:spcPct val="100000"/>
               </a:lnSpc>
             </a:pPr>
-            <a:endParaRPr b="0" lang="en-US" sz="1800" spc="-1" strike="noStrike">
+            <a:endParaRPr b="0" lang="de-DE" sz="1600" spc="-1" strike="noStrike">
               <a:latin typeface="Arial"/>
             </a:endParaRPr>
           </a:p>
@@ -2442,18 +2269,21 @@
             </a:schemeClr>
           </a:solidFill>
           <a:prstDash val="solid"/>
+          <a:miter/>
         </a:ln>
         <a:ln w="25400" cap="flat" cmpd="sng" algn="ctr">
           <a:solidFill>
             <a:schemeClr val="phClr"/>
           </a:solidFill>
           <a:prstDash val="solid"/>
+          <a:miter/>
         </a:ln>
         <a:ln w="38100" cap="flat" cmpd="sng" algn="ctr">
           <a:solidFill>
             <a:schemeClr val="phClr"/>
           </a:solidFill>
           <a:prstDash val="solid"/>
+          <a:miter/>
         </a:ln>
       </a:lnStyleLst>
       <a:effectStyleLst>
